--- a/public/Materi1.pptx
+++ b/public/Materi1.pptx
@@ -1,21 +1,76 @@
 
 <file path=ppt/presentation.xml><?xml version="1.0" encoding="utf-8"?>
-<p:presentation xmlns:a="http://schemas.openxmlformats.org/drawingml/2006/main" xmlns:r="http://schemas.openxmlformats.org/officeDocument/2006/relationships" xmlns:p="http://schemas.openxmlformats.org/presentationml/2006/main" removePersonalInfoOnSave="1" saveSubsetFonts="1">
+<p:presentation xmlns:a="http://schemas.openxmlformats.org/drawingml/2006/main" xmlns:r="http://schemas.openxmlformats.org/officeDocument/2006/relationships" xmlns:p="http://schemas.openxmlformats.org/presentationml/2006/main" saveSubsetFonts="1" embedTrueTypeFonts="true">
   <p:sldMasterIdLst>
     <p:sldMasterId id="2147483648" r:id="rId1"/>
   </p:sldMasterIdLst>
-  <p:notesMasterIdLst>
-    <p:notesMasterId r:id="rId7"/>
-  </p:notesMasterIdLst>
   <p:sldIdLst>
-    <p:sldId id="256" r:id="rId2"/>
-    <p:sldId id="257" r:id="rId3"/>
-    <p:sldId id="259" r:id="rId4"/>
-    <p:sldId id="258" r:id="rId5"/>
-    <p:sldId id="260" r:id="rId6"/>
+    <p:sldId id="256" r:id="rId21"/>
   </p:sldIdLst>
-  <p:sldSz cx="9144000" cy="6858000" type="screen4x3"/>
+  <p:sldSz cx="18288000" cy="10287000"/>
   <p:notesSz cx="6858000" cy="9144000"/>
+  <p:embeddedFontLst>
+    <p:embeddedFont>
+      <p:font typeface="Arimo" charset="1" panose="020B0604020202020204"/>
+      <p:regular r:id="rId6"/>
+    </p:embeddedFont>
+    <p:embeddedFont>
+      <p:font typeface="Arimo Bold" charset="1" panose="020B0704020202020204"/>
+      <p:regular r:id="rId7"/>
+    </p:embeddedFont>
+    <p:embeddedFont>
+      <p:font typeface="Arimo Italics" charset="1" panose="020B0604020202090204"/>
+      <p:regular r:id="rId8"/>
+    </p:embeddedFont>
+    <p:embeddedFont>
+      <p:font typeface="Arimo Bold Italics" charset="1" panose="020B0704020202090204"/>
+      <p:regular r:id="rId9"/>
+    </p:embeddedFont>
+    <p:embeddedFont>
+      <p:font typeface="TAN Pearl" charset="1" panose="00000000000000000000"/>
+      <p:regular r:id="rId10"/>
+    </p:embeddedFont>
+    <p:embeddedFont>
+      <p:font typeface="Cooper Hewitt" charset="1" panose="00000000000000000000"/>
+      <p:regular r:id="rId11"/>
+    </p:embeddedFont>
+    <p:embeddedFont>
+      <p:font typeface="Cooper Hewitt Bold" charset="1" panose="00000000000000000000"/>
+      <p:regular r:id="rId12"/>
+    </p:embeddedFont>
+    <p:embeddedFont>
+      <p:font typeface="Cooper Hewitt Italics" charset="1" panose="00000000000000000000"/>
+      <p:regular r:id="rId13"/>
+    </p:embeddedFont>
+    <p:embeddedFont>
+      <p:font typeface="Cooper Hewitt Bold Italics" charset="1" panose="00000000000000000000"/>
+      <p:regular r:id="rId14"/>
+    </p:embeddedFont>
+    <p:embeddedFont>
+      <p:font typeface="Cooper Hewitt Thin" charset="1" panose="00000000000000000000"/>
+      <p:regular r:id="rId15"/>
+    </p:embeddedFont>
+    <p:embeddedFont>
+      <p:font typeface="Cooper Hewitt Thin Italics" charset="1" panose="00000000000000000000"/>
+      <p:regular r:id="rId16"/>
+    </p:embeddedFont>
+    <p:embeddedFont>
+      <p:font typeface="Cooper Hewitt Light" charset="1" panose="00000000000000000000"/>
+      <p:regular r:id="rId17"/>
+    </p:embeddedFont>
+    <p:embeddedFont>
+      <p:font typeface="Cooper Hewitt Light Italics" charset="1" panose="00000000000000000000"/>
+      <p:regular r:id="rId18"/>
+    </p:embeddedFont>
+    <p:embeddedFont>
+      <p:font typeface="Cooper Hewitt Heavy" charset="1" panose="00000000000000000000"/>
+      <p:regular r:id="rId19"/>
+    </p:embeddedFont>
+    <p:embeddedFont>
+      <p:font typeface="Cooper Hewitt Heavy Italics" charset="1" panose="00000000000000000000"/>
+      <p:regular r:id="rId20"/>
+    </p:embeddedFont>
+  </p:embeddedFontLst>
   <p:defaultTextStyle>
     <a:defPPr>
       <a:defRPr lang="en-US"/>
@@ -111,37 +166,12 @@
       </a:defRPr>
     </a:lvl9pPr>
   </p:defaultTextStyle>
-  <p:extLst>
-    <p:ext uri="{EFAFB233-063F-42B5-8137-9DF3F51BA10A}">
-      <p15:sldGuideLst xmlns="" xmlns:p15="http://schemas.microsoft.com/office/powerpoint/2012/main">
-        <p15:guide id="1" orient="horz" pos="1620">
-          <p15:clr>
-            <a:srgbClr val="A4A3A4"/>
-          </p15:clr>
-        </p15:guide>
-        <p15:guide id="2" pos="2880">
-          <p15:clr>
-            <a:srgbClr val="A4A3A4"/>
-          </p15:clr>
-        </p15:guide>
-      </p15:sldGuideLst>
-    </p:ext>
-  </p:extLst>
 </p:presentation>
 </file>
 
-<file path=ppt/revisionInfo.xml><?xml version="1.0" encoding="utf-8"?>
-<p1510:revInfo xmlns:a="http://schemas.openxmlformats.org/drawingml/2006/main" xmlns:r="http://schemas.openxmlformats.org/officeDocument/2006/relationships" xmlns:p1510="http://schemas.microsoft.com/office/powerpoint/2015/10/main"/>
-</file>
-
-<file path=ppt/notesMasters/notesMaster1.xml><?xml version="1.0" encoding="utf-8"?>
-<p:notesMaster xmlns:a="http://schemas.openxmlformats.org/drawingml/2006/main" xmlns:r="http://schemas.openxmlformats.org/officeDocument/2006/relationships" xmlns:p="http://schemas.openxmlformats.org/presentationml/2006/main">
-  <p:cSld>
-    <p:bg>
-      <p:bgRef idx="1001">
-        <a:schemeClr val="bg1"/>
-      </p:bgRef>
-    </p:bg>
+<file path=ppt/slideLayouts/slideLayout1.xml><?xml version="1.0" encoding="utf-8"?>
+<p:sldLayout xmlns:a="http://schemas.openxmlformats.org/drawingml/2006/main" xmlns:r="http://schemas.openxmlformats.org/officeDocument/2006/relationships" xmlns:p="http://schemas.openxmlformats.org/presentationml/2006/main" type="title" preserve="1">
+  <p:cSld name="Title Slide">
     <p:spTree>
       <p:nvGrpSpPr>
         <p:cNvPr id="1" name=""/>
@@ -158,537 +188,58 @@
       </p:grpSpPr>
       <p:sp>
         <p:nvSpPr>
-          <p:cNvPr id="2" name="Header Placeholder 1"/>
-          <p:cNvSpPr>
-            <a:spLocks noGrp="1"/>
-          </p:cNvSpPr>
-          <p:nvPr>
-            <p:ph type="hdr" sz="quarter"/>
+          <p:cNvPr id="2" name="Title 1"/>
+          <p:cNvSpPr>
+            <a:spLocks noGrp="1"/>
+          </p:cNvSpPr>
+          <p:nvPr>
+            <p:ph type="ctrTitle"/>
           </p:nvPr>
         </p:nvSpPr>
         <p:spPr>
           <a:xfrm>
-            <a:off x="0" y="0"/>
-            <a:ext cx="2971800" cy="458788"/>
+            <a:off x="685800" y="2130425"/>
+            <a:ext cx="7772400" cy="1470025"/>
           </a:xfrm>
-          <a:prstGeom prst="rect">
-            <a:avLst/>
-          </a:prstGeom>
         </p:spPr>
         <p:txBody>
-          <a:bodyPr vert="horz" lIns="91440" tIns="45720" rIns="91440" bIns="45720" rtlCol="0"/>
-          <a:lstStyle>
-            <a:lvl1pPr algn="l">
-              <a:defRPr sz="1200"/>
-            </a:lvl1pPr>
-          </a:lstStyle>
-          <a:p>
-            <a:endParaRPr lang="en-US"/>
-          </a:p>
-        </p:txBody>
-      </p:sp>
-      <p:sp>
-        <p:nvSpPr>
-          <p:cNvPr id="3" name="Date Placeholder 2"/>
-          <p:cNvSpPr>
-            <a:spLocks noGrp="1"/>
-          </p:cNvSpPr>
-          <p:nvPr>
-            <p:ph type="dt" idx="1"/>
+          <a:bodyPr/>
+          <a:lstStyle/>
+          <a:p>
+            <a:r>
+              <a:rPr lang="en-US" smtClean="0"/>
+              <a:t>Click to edit Master title style</a:t>
+            </a:r>
+            <a:endParaRPr lang="en-US"/>
+          </a:p>
+        </p:txBody>
+      </p:sp>
+      <p:sp>
+        <p:nvSpPr>
+          <p:cNvPr id="3" name="Subtitle 2"/>
+          <p:cNvSpPr>
+            <a:spLocks noGrp="1"/>
+          </p:cNvSpPr>
+          <p:nvPr>
+            <p:ph type="subTitle" idx="1"/>
           </p:nvPr>
         </p:nvSpPr>
         <p:spPr>
           <a:xfrm>
-            <a:off x="3884613" y="0"/>
-            <a:ext cx="2971800" cy="458788"/>
-          </a:xfrm>
-          <a:prstGeom prst="rect">
-            <a:avLst/>
-          </a:prstGeom>
-        </p:spPr>
-        <p:txBody>
-          <a:bodyPr vert="horz" lIns="91440" tIns="45720" rIns="91440" bIns="45720" rtlCol="0"/>
-          <a:lstStyle>
-            <a:lvl1pPr algn="r">
-              <a:defRPr sz="1200"/>
-            </a:lvl1pPr>
-          </a:lstStyle>
-          <a:p>
-            <a:fld id="{C8D18E60-4300-4729-A0D7-6AB984C3922D}" type="datetimeFigureOut">
-              <a:rPr lang="en-US" smtClean="0"/>
-              <a:t>8/13/2018</a:t>
-            </a:fld>
-            <a:endParaRPr lang="en-US"/>
-          </a:p>
-        </p:txBody>
-      </p:sp>
-      <p:sp>
-        <p:nvSpPr>
-          <p:cNvPr id="4" name="Slide Image Placeholder 3"/>
-          <p:cNvSpPr>
-            <a:spLocks noGrp="1" noRot="1" noChangeAspect="1"/>
-          </p:cNvSpPr>
-          <p:nvPr>
-            <p:ph type="sldImg" idx="2"/>
-          </p:nvPr>
-        </p:nvSpPr>
-        <p:spPr>
-          <a:xfrm>
-            <a:off x="1371600" y="1143000"/>
-            <a:ext cx="4114800" cy="3086100"/>
-          </a:xfrm>
-          <a:prstGeom prst="rect">
-            <a:avLst/>
-          </a:prstGeom>
-          <a:noFill/>
-          <a:ln w="12700">
-            <a:solidFill>
-              <a:prstClr val="black"/>
-            </a:solidFill>
-          </a:ln>
-        </p:spPr>
-        <p:txBody>
-          <a:bodyPr vert="horz" lIns="91440" tIns="45720" rIns="91440" bIns="45720" rtlCol="0" anchor="ctr"/>
-          <a:lstStyle/>
-          <a:p>
-            <a:endParaRPr lang="en-US"/>
-          </a:p>
-        </p:txBody>
-      </p:sp>
-      <p:sp>
-        <p:nvSpPr>
-          <p:cNvPr id="5" name="Notes Placeholder 4"/>
-          <p:cNvSpPr>
-            <a:spLocks noGrp="1"/>
-          </p:cNvSpPr>
-          <p:nvPr>
-            <p:ph type="body" sz="quarter" idx="3"/>
-          </p:nvPr>
-        </p:nvSpPr>
-        <p:spPr>
-          <a:xfrm>
-            <a:off x="685800" y="4400550"/>
-            <a:ext cx="5486400" cy="3600450"/>
-          </a:xfrm>
-          <a:prstGeom prst="rect">
-            <a:avLst/>
-          </a:prstGeom>
-        </p:spPr>
-        <p:txBody>
-          <a:bodyPr vert="horz" lIns="91440" tIns="45720" rIns="91440" bIns="45720" rtlCol="0"/>
-          <a:lstStyle/>
-          <a:p>
-            <a:pPr lvl="0"/>
-            <a:r>
-              <a:rPr lang="en-US"/>
-              <a:t>Edit Master text styles</a:t>
-            </a:r>
-          </a:p>
-          <a:p>
-            <a:pPr lvl="1"/>
-            <a:r>
-              <a:rPr lang="en-US"/>
-              <a:t>Second level</a:t>
-            </a:r>
-          </a:p>
-          <a:p>
-            <a:pPr lvl="2"/>
-            <a:r>
-              <a:rPr lang="en-US"/>
-              <a:t>Third level</a:t>
-            </a:r>
-          </a:p>
-          <a:p>
-            <a:pPr lvl="3"/>
-            <a:r>
-              <a:rPr lang="en-US"/>
-              <a:t>Fourth level</a:t>
-            </a:r>
-          </a:p>
-          <a:p>
-            <a:pPr lvl="4"/>
-            <a:r>
-              <a:rPr lang="en-US"/>
-              <a:t>Fifth level</a:t>
-            </a:r>
-          </a:p>
-        </p:txBody>
-      </p:sp>
-      <p:sp>
-        <p:nvSpPr>
-          <p:cNvPr id="6" name="Footer Placeholder 5"/>
-          <p:cNvSpPr>
-            <a:spLocks noGrp="1"/>
-          </p:cNvSpPr>
-          <p:nvPr>
-            <p:ph type="ftr" sz="quarter" idx="4"/>
-          </p:nvPr>
-        </p:nvSpPr>
-        <p:spPr>
-          <a:xfrm>
-            <a:off x="0" y="8685213"/>
-            <a:ext cx="2971800" cy="458787"/>
-          </a:xfrm>
-          <a:prstGeom prst="rect">
-            <a:avLst/>
-          </a:prstGeom>
-        </p:spPr>
-        <p:txBody>
-          <a:bodyPr vert="horz" lIns="91440" tIns="45720" rIns="91440" bIns="45720" rtlCol="0" anchor="b"/>
-          <a:lstStyle>
-            <a:lvl1pPr algn="l">
-              <a:defRPr sz="1200"/>
-            </a:lvl1pPr>
-          </a:lstStyle>
-          <a:p>
-            <a:endParaRPr lang="en-US"/>
-          </a:p>
-        </p:txBody>
-      </p:sp>
-      <p:sp>
-        <p:nvSpPr>
-          <p:cNvPr id="7" name="Slide Number Placeholder 6"/>
-          <p:cNvSpPr>
-            <a:spLocks noGrp="1"/>
-          </p:cNvSpPr>
-          <p:nvPr>
-            <p:ph type="sldNum" sz="quarter" idx="5"/>
-          </p:nvPr>
-        </p:nvSpPr>
-        <p:spPr>
-          <a:xfrm>
-            <a:off x="3884613" y="8685213"/>
-            <a:ext cx="2971800" cy="458787"/>
-          </a:xfrm>
-          <a:prstGeom prst="rect">
-            <a:avLst/>
-          </a:prstGeom>
-        </p:spPr>
-        <p:txBody>
-          <a:bodyPr vert="horz" lIns="91440" tIns="45720" rIns="91440" bIns="45720" rtlCol="0" anchor="b"/>
-          <a:lstStyle>
-            <a:lvl1pPr algn="r">
-              <a:defRPr sz="1200"/>
-            </a:lvl1pPr>
-          </a:lstStyle>
-          <a:p>
-            <a:fld id="{AF533E96-F078-4B3D-A8F4-F1AF21EBC357}" type="slidenum">
-              <a:rPr lang="en-US" smtClean="0"/>
-              <a:t>‹#›</a:t>
-            </a:fld>
-            <a:endParaRPr lang="en-US"/>
-          </a:p>
-        </p:txBody>
-      </p:sp>
-    </p:spTree>
-    <p:extLst>
-      <p:ext uri="{BB962C8B-B14F-4D97-AF65-F5344CB8AC3E}">
-        <p14:creationId xmlns:p14="http://schemas.microsoft.com/office/powerpoint/2010/main" val="2844300161"/>
-      </p:ext>
-    </p:extLst>
-  </p:cSld>
-  <p:clrMap bg1="lt1" tx1="dk1" bg2="lt2" tx2="dk2" accent1="accent1" accent2="accent2" accent3="accent3" accent4="accent4" accent5="accent5" accent6="accent6" hlink="hlink" folHlink="folHlink"/>
-  <p:notesStyle>
-    <a:lvl1pPr marL="0" algn="l" defTabSz="914400" rtl="0" eaLnBrk="1" latinLnBrk="0" hangingPunct="1">
-      <a:defRPr sz="1200" kern="1200">
-        <a:solidFill>
-          <a:schemeClr val="tx1"/>
-        </a:solidFill>
-        <a:latin typeface="+mn-lt"/>
-        <a:ea typeface="+mn-ea"/>
-        <a:cs typeface="+mn-cs"/>
-      </a:defRPr>
-    </a:lvl1pPr>
-    <a:lvl2pPr marL="457200" algn="l" defTabSz="914400" rtl="0" eaLnBrk="1" latinLnBrk="0" hangingPunct="1">
-      <a:defRPr sz="1200" kern="1200">
-        <a:solidFill>
-          <a:schemeClr val="tx1"/>
-        </a:solidFill>
-        <a:latin typeface="+mn-lt"/>
-        <a:ea typeface="+mn-ea"/>
-        <a:cs typeface="+mn-cs"/>
-      </a:defRPr>
-    </a:lvl2pPr>
-    <a:lvl3pPr marL="914400" algn="l" defTabSz="914400" rtl="0" eaLnBrk="1" latinLnBrk="0" hangingPunct="1">
-      <a:defRPr sz="1200" kern="1200">
-        <a:solidFill>
-          <a:schemeClr val="tx1"/>
-        </a:solidFill>
-        <a:latin typeface="+mn-lt"/>
-        <a:ea typeface="+mn-ea"/>
-        <a:cs typeface="+mn-cs"/>
-      </a:defRPr>
-    </a:lvl3pPr>
-    <a:lvl4pPr marL="1371600" algn="l" defTabSz="914400" rtl="0" eaLnBrk="1" latinLnBrk="0" hangingPunct="1">
-      <a:defRPr sz="1200" kern="1200">
-        <a:solidFill>
-          <a:schemeClr val="tx1"/>
-        </a:solidFill>
-        <a:latin typeface="+mn-lt"/>
-        <a:ea typeface="+mn-ea"/>
-        <a:cs typeface="+mn-cs"/>
-      </a:defRPr>
-    </a:lvl4pPr>
-    <a:lvl5pPr marL="1828800" algn="l" defTabSz="914400" rtl="0" eaLnBrk="1" latinLnBrk="0" hangingPunct="1">
-      <a:defRPr sz="1200" kern="1200">
-        <a:solidFill>
-          <a:schemeClr val="tx1"/>
-        </a:solidFill>
-        <a:latin typeface="+mn-lt"/>
-        <a:ea typeface="+mn-ea"/>
-        <a:cs typeface="+mn-cs"/>
-      </a:defRPr>
-    </a:lvl5pPr>
-    <a:lvl6pPr marL="2286000" algn="l" defTabSz="914400" rtl="0" eaLnBrk="1" latinLnBrk="0" hangingPunct="1">
-      <a:defRPr sz="1200" kern="1200">
-        <a:solidFill>
-          <a:schemeClr val="tx1"/>
-        </a:solidFill>
-        <a:latin typeface="+mn-lt"/>
-        <a:ea typeface="+mn-ea"/>
-        <a:cs typeface="+mn-cs"/>
-      </a:defRPr>
-    </a:lvl6pPr>
-    <a:lvl7pPr marL="2743200" algn="l" defTabSz="914400" rtl="0" eaLnBrk="1" latinLnBrk="0" hangingPunct="1">
-      <a:defRPr sz="1200" kern="1200">
-        <a:solidFill>
-          <a:schemeClr val="tx1"/>
-        </a:solidFill>
-        <a:latin typeface="+mn-lt"/>
-        <a:ea typeface="+mn-ea"/>
-        <a:cs typeface="+mn-cs"/>
-      </a:defRPr>
-    </a:lvl7pPr>
-    <a:lvl8pPr marL="3200400" algn="l" defTabSz="914400" rtl="0" eaLnBrk="1" latinLnBrk="0" hangingPunct="1">
-      <a:defRPr sz="1200" kern="1200">
-        <a:solidFill>
-          <a:schemeClr val="tx1"/>
-        </a:solidFill>
-        <a:latin typeface="+mn-lt"/>
-        <a:ea typeface="+mn-ea"/>
-        <a:cs typeface="+mn-cs"/>
-      </a:defRPr>
-    </a:lvl8pPr>
-    <a:lvl9pPr marL="3657600" algn="l" defTabSz="914400" rtl="0" eaLnBrk="1" latinLnBrk="0" hangingPunct="1">
-      <a:defRPr sz="1200" kern="1200">
-        <a:solidFill>
-          <a:schemeClr val="tx1"/>
-        </a:solidFill>
-        <a:latin typeface="+mn-lt"/>
-        <a:ea typeface="+mn-ea"/>
-        <a:cs typeface="+mn-cs"/>
-      </a:defRPr>
-    </a:lvl9pPr>
-  </p:notesStyle>
-</p:notesMaster>
-</file>
-
-<file path=ppt/notesSlides/notesSlide1.xml><?xml version="1.0" encoding="utf-8"?>
-<p:notes xmlns:a="http://schemas.openxmlformats.org/drawingml/2006/main" xmlns:r="http://schemas.openxmlformats.org/officeDocument/2006/relationships" xmlns:p="http://schemas.openxmlformats.org/presentationml/2006/main">
-  <p:cSld>
-    <p:spTree>
-      <p:nvGrpSpPr>
-        <p:cNvPr id="1" name=""/>
-        <p:cNvGrpSpPr/>
-        <p:nvPr/>
-      </p:nvGrpSpPr>
-      <p:grpSpPr>
-        <a:xfrm>
-          <a:off x="0" y="0"/>
-          <a:ext cx="0" cy="0"/>
-          <a:chOff x="0" y="0"/>
-          <a:chExt cx="0" cy="0"/>
-        </a:xfrm>
-      </p:grpSpPr>
-      <p:sp>
-        <p:nvSpPr>
-          <p:cNvPr id="2" name="Slide Image Placeholder 1"/>
-          <p:cNvSpPr>
-            <a:spLocks noGrp="1" noRot="1" noChangeAspect="1"/>
-          </p:cNvSpPr>
-          <p:nvPr>
-            <p:ph type="sldImg"/>
-          </p:nvPr>
-        </p:nvSpPr>
-        <p:spPr>
-          <a:xfrm>
-            <a:off x="1371600" y="1143000"/>
-            <a:ext cx="4114800" cy="3086100"/>
+            <a:off x="1371600" y="3886200"/>
+            <a:ext cx="6400800" cy="1752600"/>
           </a:xfrm>
         </p:spPr>
-      </p:sp>
-      <p:sp>
-        <p:nvSpPr>
-          <p:cNvPr id="3" name="Notes Placeholder 2"/>
-          <p:cNvSpPr>
-            <a:spLocks noGrp="1"/>
-          </p:cNvSpPr>
-          <p:nvPr>
-            <p:ph type="body" idx="1"/>
-          </p:nvPr>
-        </p:nvSpPr>
-        <p:spPr/>
-        <p:txBody>
-          <a:bodyPr/>
-          <a:lstStyle/>
-          <a:p>
-            <a:endParaRPr lang="en-US"/>
-          </a:p>
-        </p:txBody>
-      </p:sp>
-      <p:sp>
-        <p:nvSpPr>
-          <p:cNvPr id="4" name="Slide Number Placeholder 3"/>
-          <p:cNvSpPr>
-            <a:spLocks noGrp="1"/>
-          </p:cNvSpPr>
-          <p:nvPr>
-            <p:ph type="sldNum" sz="quarter" idx="10"/>
-          </p:nvPr>
-        </p:nvSpPr>
-        <p:spPr/>
-        <p:txBody>
-          <a:bodyPr/>
-          <a:lstStyle/>
-          <a:p>
-            <a:fld id="{87350B06-B074-48FC-8CFD-53D2CD8FB95F}" type="slidenum">
-              <a:rPr lang="en-US" smtClean="0"/>
-              <a:t>5</a:t>
-            </a:fld>
-            <a:endParaRPr lang="en-US"/>
-          </a:p>
-        </p:txBody>
-      </p:sp>
-    </p:spTree>
-    <p:extLst>
-      <p:ext uri="{BB962C8B-B14F-4D97-AF65-F5344CB8AC3E}">
-        <p14:creationId xmlns:p14="http://schemas.microsoft.com/office/powerpoint/2010/main" val="1284596819"/>
-      </p:ext>
-    </p:extLst>
-  </p:cSld>
-  <p:clrMapOvr>
-    <a:masterClrMapping/>
-  </p:clrMapOvr>
-</p:notes>
-</file>
-
-<file path=ppt/slideLayouts/slideLayout1.xml><?xml version="1.0" encoding="utf-8"?>
-<p:sldLayout xmlns:a="http://schemas.openxmlformats.org/drawingml/2006/main" xmlns:r="http://schemas.openxmlformats.org/officeDocument/2006/relationships" xmlns:p="http://schemas.openxmlformats.org/presentationml/2006/main" type="title" preserve="1">
-  <p:cSld name="Title Slide">
-    <p:bg>
-      <p:bgPr>
-        <a:blipFill dpi="0" rotWithShape="1">
-          <a:blip r:embed="rId2">
-            <a:lum/>
-          </a:blip>
-          <a:srcRect/>
-          <a:stretch>
-            <a:fillRect l="-25000" r="-9000"/>
-          </a:stretch>
-        </a:blipFill>
-        <a:effectLst/>
-      </p:bgPr>
-    </p:bg>
-    <p:spTree>
-      <p:nvGrpSpPr>
-        <p:cNvPr id="1" name=""/>
-        <p:cNvGrpSpPr/>
-        <p:nvPr/>
-      </p:nvGrpSpPr>
-      <p:grpSpPr>
-        <a:xfrm>
-          <a:off x="0" y="0"/>
-          <a:ext cx="0" cy="0"/>
-          <a:chOff x="0" y="0"/>
-          <a:chExt cx="0" cy="0"/>
-        </a:xfrm>
-      </p:grpSpPr>
-      <p:sp>
-        <p:nvSpPr>
-          <p:cNvPr id="2" name="Title 1"/>
-          <p:cNvSpPr>
-            <a:spLocks noGrp="1"/>
-          </p:cNvSpPr>
-          <p:nvPr>
-            <p:ph type="ctrTitle" hasCustomPrompt="1"/>
-          </p:nvPr>
-        </p:nvSpPr>
-        <p:spPr>
-          <a:xfrm>
-            <a:off x="427703" y="2379408"/>
-            <a:ext cx="8229600" cy="2251584"/>
-          </a:xfrm>
-          <a:noFill/>
-          <a:effectLst>
-            <a:outerShdw blurRad="50800" dist="38100" dir="2700000" algn="tl" rotWithShape="0">
-              <a:prstClr val="black">
-                <a:alpha val="40000"/>
-              </a:prstClr>
-            </a:outerShdw>
-          </a:effectLst>
-        </p:spPr>
-        <p:txBody>
-          <a:bodyPr>
-            <a:normAutofit/>
-          </a:bodyPr>
+        <p:txBody>
+          <a:bodyPr/>
           <a:lstStyle>
-            <a:lvl1pPr algn="r">
-              <a:defRPr sz="3600">
+            <a:lvl1pPr marL="0" indent="0" algn="ctr">
+              <a:buNone/>
+              <a:defRPr>
                 <a:solidFill>
-                  <a:srgbClr val="0070C0"/>
-                </a:solidFill>
-              </a:defRPr>
-            </a:lvl1pPr>
-          </a:lstStyle>
-          <a:p>
-            <a:r>
-              <a:rPr lang="en-US" dirty="0"/>
-              <a:t>Click to edit </a:t>
-            </a:r>
-            <a:r>
-              <a:rPr lang="en-US" dirty="0" smtClean="0"/>
-              <a:t/>
-            </a:r>
-            <a:br>
-              <a:rPr lang="en-US" dirty="0" smtClean="0"/>
-            </a:br>
-            <a:r>
-              <a:rPr lang="en-US" dirty="0" smtClean="0"/>
-              <a:t>Master </a:t>
-            </a:r>
-            <a:r>
-              <a:rPr lang="en-US" dirty="0"/>
-              <a:t>title style</a:t>
-            </a:r>
-          </a:p>
-        </p:txBody>
-      </p:sp>
-      <p:sp>
-        <p:nvSpPr>
-          <p:cNvPr id="3" name="Subtitle 2"/>
-          <p:cNvSpPr>
-            <a:spLocks noGrp="1"/>
-          </p:cNvSpPr>
-          <p:nvPr>
-            <p:ph type="subTitle" idx="1"/>
-          </p:nvPr>
-        </p:nvSpPr>
-        <p:spPr>
-          <a:xfrm>
-            <a:off x="420328" y="4925957"/>
-            <a:ext cx="8229600" cy="904568"/>
-          </a:xfrm>
-        </p:spPr>
-        <p:txBody>
-          <a:bodyPr>
-            <a:normAutofit/>
-          </a:bodyPr>
-          <a:lstStyle>
-            <a:lvl1pPr marL="0" indent="0" algn="r">
-              <a:buNone/>
-              <a:defRPr sz="2800" b="0" i="0">
-                <a:solidFill>
-                  <a:schemeClr val="bg1"/>
+                  <a:schemeClr val="tx1">
+                    <a:tint val="75000"/>
+                  </a:schemeClr>
                 </a:solidFill>
               </a:defRPr>
             </a:lvl1pPr>
@@ -775,17 +326,10 @@
           </a:lstStyle>
           <a:p>
             <a:r>
-              <a:rPr lang="en-US" dirty="0"/>
-              <a:t>Click to edit </a:t>
-            </a:r>
-            <a:r>
-              <a:rPr lang="en-US" dirty="0" smtClean="0"/>
-              <a:t>Master </a:t>
-            </a:r>
-            <a:r>
-              <a:rPr lang="en-US" dirty="0"/>
-              <a:t>subtitle style</a:t>
-            </a:r>
+              <a:rPr lang="en-US" smtClean="0"/>
+              <a:t>Click to edit Master subtitle style</a:t>
+            </a:r>
+            <a:endParaRPr lang="en-US"/>
           </a:p>
         </p:txBody>
       </p:sp>
@@ -804,10 +348,10 @@
           <a:bodyPr/>
           <a:lstStyle/>
           <a:p>
-            <a:fld id="{53074F12-AA26-4AC8-9962-C36BB8F32554}" type="datetimeFigureOut">
+            <a:fld id="{1D8BD707-D9CF-40AE-B4C6-C98DA3205C09}" type="datetimeFigureOut">
               <a:rPr lang="en-US" smtClean="0"/>
               <a:pPr/>
-              <a:t>8/13/2018</a:t>
+              <a:t>8/1/2011</a:t>
             </a:fld>
             <a:endParaRPr lang="en-US"/>
           </a:p>
@@ -828,7 +372,7 @@
           <a:bodyPr/>
           <a:lstStyle/>
           <a:p>
-            <a:endParaRPr lang="en-US" dirty="0"/>
+            <a:endParaRPr lang="en-US"/>
           </a:p>
         </p:txBody>
       </p:sp>
@@ -847,7 +391,7 @@
           <a:bodyPr/>
           <a:lstStyle/>
           <a:p>
-            <a:fld id="{B82CCC60-E8CD-4174-8B1A-7DF615B22EEF}" type="slidenum">
+            <a:fld id="{B6F15528-21DE-4FAA-801E-634DDDAF4B2B}" type="slidenum">
               <a:rPr lang="en-US" smtClean="0"/>
               <a:pPr/>
               <a:t>‹#›</a:t>
@@ -857,11 +401,6 @@
         </p:txBody>
       </p:sp>
     </p:spTree>
-    <p:extLst>
-      <p:ext uri="{BB962C8B-B14F-4D97-AF65-F5344CB8AC3E}">
-        <p14:creationId xmlns:p14="http://schemas.microsoft.com/office/powerpoint/2010/main" val="3253875174"/>
-      </p:ext>
-    </p:extLst>
   </p:cSld>
   <p:clrMapOvr>
     <a:masterClrMapping/>
@@ -870,260 +409,6 @@
 </file>
 
 <file path=ppt/slideLayouts/slideLayout10.xml><?xml version="1.0" encoding="utf-8"?>
-<p:sldLayout xmlns:a="http://schemas.openxmlformats.org/drawingml/2006/main" xmlns:r="http://schemas.openxmlformats.org/officeDocument/2006/relationships" xmlns:p="http://schemas.openxmlformats.org/presentationml/2006/main" type="picTx" preserve="1">
-  <p:cSld name="Picture with Caption">
-    <p:spTree>
-      <p:nvGrpSpPr>
-        <p:cNvPr id="1" name=""/>
-        <p:cNvGrpSpPr/>
-        <p:nvPr/>
-      </p:nvGrpSpPr>
-      <p:grpSpPr>
-        <a:xfrm>
-          <a:off x="0" y="0"/>
-          <a:ext cx="0" cy="0"/>
-          <a:chOff x="0" y="0"/>
-          <a:chExt cx="0" cy="0"/>
-        </a:xfrm>
-      </p:grpSpPr>
-      <p:sp>
-        <p:nvSpPr>
-          <p:cNvPr id="2" name="Title 1"/>
-          <p:cNvSpPr>
-            <a:spLocks noGrp="1"/>
-          </p:cNvSpPr>
-          <p:nvPr>
-            <p:ph type="title"/>
-          </p:nvPr>
-        </p:nvSpPr>
-        <p:spPr>
-          <a:xfrm>
-            <a:off x="1792288" y="4800600"/>
-            <a:ext cx="5486400" cy="566739"/>
-          </a:xfrm>
-        </p:spPr>
-        <p:txBody>
-          <a:bodyPr anchor="b"/>
-          <a:lstStyle>
-            <a:lvl1pPr algn="l">
-              <a:defRPr sz="2000" b="1"/>
-            </a:lvl1pPr>
-          </a:lstStyle>
-          <a:p>
-            <a:r>
-              <a:rPr lang="en-US"/>
-              <a:t>Click to edit Master title style</a:t>
-            </a:r>
-          </a:p>
-        </p:txBody>
-      </p:sp>
-      <p:sp>
-        <p:nvSpPr>
-          <p:cNvPr id="3" name="Picture Placeholder 2"/>
-          <p:cNvSpPr>
-            <a:spLocks noGrp="1"/>
-          </p:cNvSpPr>
-          <p:nvPr>
-            <p:ph type="pic" idx="1"/>
-          </p:nvPr>
-        </p:nvSpPr>
-        <p:spPr>
-          <a:xfrm>
-            <a:off x="1792288" y="612775"/>
-            <a:ext cx="5486400" cy="4114800"/>
-          </a:xfrm>
-        </p:spPr>
-        <p:txBody>
-          <a:bodyPr/>
-          <a:lstStyle>
-            <a:lvl1pPr marL="0" indent="0">
-              <a:buNone/>
-              <a:defRPr sz="3200"/>
-            </a:lvl1pPr>
-            <a:lvl2pPr marL="457200" indent="0">
-              <a:buNone/>
-              <a:defRPr sz="2800"/>
-            </a:lvl2pPr>
-            <a:lvl3pPr marL="914400" indent="0">
-              <a:buNone/>
-              <a:defRPr sz="2400"/>
-            </a:lvl3pPr>
-            <a:lvl4pPr marL="1371600" indent="0">
-              <a:buNone/>
-              <a:defRPr sz="2000"/>
-            </a:lvl4pPr>
-            <a:lvl5pPr marL="1828800" indent="0">
-              <a:buNone/>
-              <a:defRPr sz="2000"/>
-            </a:lvl5pPr>
-            <a:lvl6pPr marL="2286000" indent="0">
-              <a:buNone/>
-              <a:defRPr sz="2000"/>
-            </a:lvl6pPr>
-            <a:lvl7pPr marL="2743200" indent="0">
-              <a:buNone/>
-              <a:defRPr sz="2000"/>
-            </a:lvl7pPr>
-            <a:lvl8pPr marL="3200400" indent="0">
-              <a:buNone/>
-              <a:defRPr sz="2000"/>
-            </a:lvl8pPr>
-            <a:lvl9pPr marL="3657600" indent="0">
-              <a:buNone/>
-              <a:defRPr sz="2000"/>
-            </a:lvl9pPr>
-          </a:lstStyle>
-          <a:p>
-            <a:endParaRPr lang="en-US"/>
-          </a:p>
-        </p:txBody>
-      </p:sp>
-      <p:sp>
-        <p:nvSpPr>
-          <p:cNvPr id="4" name="Text Placeholder 3"/>
-          <p:cNvSpPr>
-            <a:spLocks noGrp="1"/>
-          </p:cNvSpPr>
-          <p:nvPr>
-            <p:ph type="body" sz="half" idx="2"/>
-          </p:nvPr>
-        </p:nvSpPr>
-        <p:spPr>
-          <a:xfrm>
-            <a:off x="1792288" y="5367338"/>
-            <a:ext cx="5486400" cy="804863"/>
-          </a:xfrm>
-        </p:spPr>
-        <p:txBody>
-          <a:bodyPr/>
-          <a:lstStyle>
-            <a:lvl1pPr marL="0" indent="0">
-              <a:buNone/>
-              <a:defRPr sz="1400"/>
-            </a:lvl1pPr>
-            <a:lvl2pPr marL="457200" indent="0">
-              <a:buNone/>
-              <a:defRPr sz="1200"/>
-            </a:lvl2pPr>
-            <a:lvl3pPr marL="914400" indent="0">
-              <a:buNone/>
-              <a:defRPr sz="1000"/>
-            </a:lvl3pPr>
-            <a:lvl4pPr marL="1371600" indent="0">
-              <a:buNone/>
-              <a:defRPr sz="900"/>
-            </a:lvl4pPr>
-            <a:lvl5pPr marL="1828800" indent="0">
-              <a:buNone/>
-              <a:defRPr sz="900"/>
-            </a:lvl5pPr>
-            <a:lvl6pPr marL="2286000" indent="0">
-              <a:buNone/>
-              <a:defRPr sz="900"/>
-            </a:lvl6pPr>
-            <a:lvl7pPr marL="2743200" indent="0">
-              <a:buNone/>
-              <a:defRPr sz="900"/>
-            </a:lvl7pPr>
-            <a:lvl8pPr marL="3200400" indent="0">
-              <a:buNone/>
-              <a:defRPr sz="900"/>
-            </a:lvl8pPr>
-            <a:lvl9pPr marL="3657600" indent="0">
-              <a:buNone/>
-              <a:defRPr sz="900"/>
-            </a:lvl9pPr>
-          </a:lstStyle>
-          <a:p>
-            <a:pPr lvl="0"/>
-            <a:r>
-              <a:rPr lang="en-US"/>
-              <a:t>Click to edit Master text styles</a:t>
-            </a:r>
-          </a:p>
-        </p:txBody>
-      </p:sp>
-      <p:sp>
-        <p:nvSpPr>
-          <p:cNvPr id="5" name="Date Placeholder 4"/>
-          <p:cNvSpPr>
-            <a:spLocks noGrp="1"/>
-          </p:cNvSpPr>
-          <p:nvPr>
-            <p:ph type="dt" sz="half" idx="10"/>
-          </p:nvPr>
-        </p:nvSpPr>
-        <p:spPr/>
-        <p:txBody>
-          <a:bodyPr/>
-          <a:lstStyle/>
-          <a:p>
-            <a:fld id="{53074F12-AA26-4AC8-9962-C36BB8F32554}" type="datetimeFigureOut">
-              <a:rPr lang="en-US" smtClean="0"/>
-              <a:pPr/>
-              <a:t>8/13/2018</a:t>
-            </a:fld>
-            <a:endParaRPr lang="en-US"/>
-          </a:p>
-        </p:txBody>
-      </p:sp>
-      <p:sp>
-        <p:nvSpPr>
-          <p:cNvPr id="6" name="Footer Placeholder 5"/>
-          <p:cNvSpPr>
-            <a:spLocks noGrp="1"/>
-          </p:cNvSpPr>
-          <p:nvPr>
-            <p:ph type="ftr" sz="quarter" idx="11"/>
-          </p:nvPr>
-        </p:nvSpPr>
-        <p:spPr/>
-        <p:txBody>
-          <a:bodyPr/>
-          <a:lstStyle/>
-          <a:p>
-            <a:endParaRPr lang="en-US"/>
-          </a:p>
-        </p:txBody>
-      </p:sp>
-      <p:sp>
-        <p:nvSpPr>
-          <p:cNvPr id="7" name="Slide Number Placeholder 6"/>
-          <p:cNvSpPr>
-            <a:spLocks noGrp="1"/>
-          </p:cNvSpPr>
-          <p:nvPr>
-            <p:ph type="sldNum" sz="quarter" idx="12"/>
-          </p:nvPr>
-        </p:nvSpPr>
-        <p:spPr/>
-        <p:txBody>
-          <a:bodyPr/>
-          <a:lstStyle/>
-          <a:p>
-            <a:fld id="{B82CCC60-E8CD-4174-8B1A-7DF615B22EEF}" type="slidenum">
-              <a:rPr lang="en-US" smtClean="0"/>
-              <a:pPr/>
-              <a:t>‹#›</a:t>
-            </a:fld>
-            <a:endParaRPr lang="en-US"/>
-          </a:p>
-        </p:txBody>
-      </p:sp>
-    </p:spTree>
-    <p:extLst>
-      <p:ext uri="{BB962C8B-B14F-4D97-AF65-F5344CB8AC3E}">
-        <p14:creationId xmlns:p14="http://schemas.microsoft.com/office/powerpoint/2010/main" val="477607843"/>
-      </p:ext>
-    </p:extLst>
-  </p:cSld>
-  <p:clrMapOvr>
-    <a:masterClrMapping/>
-  </p:clrMapOvr>
-</p:sldLayout>
-</file>
-
-<file path=ppt/slideLayouts/slideLayout11.xml><?xml version="1.0" encoding="utf-8"?>
 <p:sldLayout xmlns:a="http://schemas.openxmlformats.org/drawingml/2006/main" xmlns:r="http://schemas.openxmlformats.org/officeDocument/2006/relationships" xmlns:p="http://schemas.openxmlformats.org/presentationml/2006/main" type="vertTx" preserve="1">
   <p:cSld name="Title and Vertical Text">
     <p:spTree>
@@ -1156,9 +441,10 @@
           <a:lstStyle/>
           <a:p>
             <a:r>
-              <a:rPr lang="en-US"/>
+              <a:rPr lang="en-US" smtClean="0"/>
               <a:t>Click to edit Master title style</a:t>
             </a:r>
+            <a:endParaRPr lang="en-US"/>
           </a:p>
         </p:txBody>
       </p:sp>
@@ -1179,37 +465,38 @@
           <a:p>
             <a:pPr lvl="0"/>
             <a:r>
-              <a:rPr lang="en-US"/>
+              <a:rPr lang="en-US" smtClean="0"/>
               <a:t>Click to edit Master text styles</a:t>
             </a:r>
           </a:p>
           <a:p>
             <a:pPr lvl="1"/>
             <a:r>
-              <a:rPr lang="en-US"/>
+              <a:rPr lang="en-US" smtClean="0"/>
               <a:t>Second level</a:t>
             </a:r>
           </a:p>
           <a:p>
             <a:pPr lvl="2"/>
             <a:r>
-              <a:rPr lang="en-US"/>
+              <a:rPr lang="en-US" smtClean="0"/>
               <a:t>Third level</a:t>
             </a:r>
           </a:p>
           <a:p>
             <a:pPr lvl="3"/>
             <a:r>
-              <a:rPr lang="en-US"/>
+              <a:rPr lang="en-US" smtClean="0"/>
               <a:t>Fourth level</a:t>
             </a:r>
           </a:p>
           <a:p>
             <a:pPr lvl="4"/>
             <a:r>
-              <a:rPr lang="en-US"/>
+              <a:rPr lang="en-US" smtClean="0"/>
               <a:t>Fifth level</a:t>
             </a:r>
+            <a:endParaRPr lang="en-US"/>
           </a:p>
         </p:txBody>
       </p:sp>
@@ -1228,10 +515,10 @@
           <a:bodyPr/>
           <a:lstStyle/>
           <a:p>
-            <a:fld id="{53074F12-AA26-4AC8-9962-C36BB8F32554}" type="datetimeFigureOut">
+            <a:fld id="{1D8BD707-D9CF-40AE-B4C6-C98DA3205C09}" type="datetimeFigureOut">
               <a:rPr lang="en-US" smtClean="0"/>
               <a:pPr/>
-              <a:t>8/13/2018</a:t>
+              <a:t>8/1/2011</a:t>
             </a:fld>
             <a:endParaRPr lang="en-US"/>
           </a:p>
@@ -1271,7 +558,7 @@
           <a:bodyPr/>
           <a:lstStyle/>
           <a:p>
-            <a:fld id="{B82CCC60-E8CD-4174-8B1A-7DF615B22EEF}" type="slidenum">
+            <a:fld id="{B6F15528-21DE-4FAA-801E-634DDDAF4B2B}" type="slidenum">
               <a:rPr lang="en-US" smtClean="0"/>
               <a:pPr/>
               <a:t>‹#›</a:t>
@@ -1281,11 +568,6 @@
         </p:txBody>
       </p:sp>
     </p:spTree>
-    <p:extLst>
-      <p:ext uri="{BB962C8B-B14F-4D97-AF65-F5344CB8AC3E}">
-        <p14:creationId xmlns:p14="http://schemas.microsoft.com/office/powerpoint/2010/main" val="3428665726"/>
-      </p:ext>
-    </p:extLst>
   </p:cSld>
   <p:clrMapOvr>
     <a:masterClrMapping/>
@@ -1293,7 +575,7 @@
 </p:sldLayout>
 </file>
 
-<file path=ppt/slideLayouts/slideLayout12.xml><?xml version="1.0" encoding="utf-8"?>
+<file path=ppt/slideLayouts/slideLayout11.xml><?xml version="1.0" encoding="utf-8"?>
 <p:sldLayout xmlns:a="http://schemas.openxmlformats.org/drawingml/2006/main" xmlns:r="http://schemas.openxmlformats.org/officeDocument/2006/relationships" xmlns:p="http://schemas.openxmlformats.org/presentationml/2006/main" type="vertTitleAndTx" preserve="1">
   <p:cSld name="Vertical Title and Text">
     <p:spTree>
@@ -1322,7 +604,7 @@
         </p:nvSpPr>
         <p:spPr>
           <a:xfrm>
-            <a:off x="6629400" y="274639"/>
+            <a:off x="6629400" y="274638"/>
             <a:ext cx="2057400" cy="5851525"/>
           </a:xfrm>
         </p:spPr>
@@ -1331,9 +613,10 @@
           <a:lstStyle/>
           <a:p>
             <a:r>
-              <a:rPr lang="en-US"/>
+              <a:rPr lang="en-US" smtClean="0"/>
               <a:t>Click to edit Master title style</a:t>
             </a:r>
+            <a:endParaRPr lang="en-US"/>
           </a:p>
         </p:txBody>
       </p:sp>
@@ -1349,7 +632,7 @@
         </p:nvSpPr>
         <p:spPr>
           <a:xfrm>
-            <a:off x="457200" y="274639"/>
+            <a:off x="457200" y="274638"/>
             <a:ext cx="6019800" cy="5851525"/>
           </a:xfrm>
         </p:spPr>
@@ -1359,37 +642,38 @@
           <a:p>
             <a:pPr lvl="0"/>
             <a:r>
-              <a:rPr lang="en-US" dirty="0"/>
+              <a:rPr lang="en-US" smtClean="0"/>
               <a:t>Click to edit Master text styles</a:t>
             </a:r>
           </a:p>
           <a:p>
             <a:pPr lvl="1"/>
             <a:r>
-              <a:rPr lang="en-US" dirty="0"/>
+              <a:rPr lang="en-US" smtClean="0"/>
               <a:t>Second level</a:t>
             </a:r>
           </a:p>
           <a:p>
             <a:pPr lvl="2"/>
             <a:r>
-              <a:rPr lang="en-US" dirty="0"/>
+              <a:rPr lang="en-US" smtClean="0"/>
               <a:t>Third level</a:t>
             </a:r>
           </a:p>
           <a:p>
             <a:pPr lvl="3"/>
             <a:r>
-              <a:rPr lang="en-US" dirty="0"/>
+              <a:rPr lang="en-US" smtClean="0"/>
               <a:t>Fourth level</a:t>
             </a:r>
           </a:p>
           <a:p>
             <a:pPr lvl="4"/>
             <a:r>
-              <a:rPr lang="en-US" dirty="0"/>
+              <a:rPr lang="en-US" smtClean="0"/>
               <a:t>Fifth level</a:t>
             </a:r>
+            <a:endParaRPr lang="en-US"/>
           </a:p>
         </p:txBody>
       </p:sp>
@@ -1408,10 +692,10 @@
           <a:bodyPr/>
           <a:lstStyle/>
           <a:p>
-            <a:fld id="{53074F12-AA26-4AC8-9962-C36BB8F32554}" type="datetimeFigureOut">
+            <a:fld id="{1D8BD707-D9CF-40AE-B4C6-C98DA3205C09}" type="datetimeFigureOut">
               <a:rPr lang="en-US" smtClean="0"/>
               <a:pPr/>
-              <a:t>8/13/2018</a:t>
+              <a:t>8/1/2011</a:t>
             </a:fld>
             <a:endParaRPr lang="en-US"/>
           </a:p>
@@ -1451,7 +735,7 @@
           <a:bodyPr/>
           <a:lstStyle/>
           <a:p>
-            <a:fld id="{B82CCC60-E8CD-4174-8B1A-7DF615B22EEF}" type="slidenum">
+            <a:fld id="{B6F15528-21DE-4FAA-801E-634DDDAF4B2B}" type="slidenum">
               <a:rPr lang="en-US" smtClean="0"/>
               <a:pPr/>
               <a:t>‹#›</a:t>
@@ -1460,76 +744,7 @@
           </a:p>
         </p:txBody>
       </p:sp>
-      <p:pic>
-        <p:nvPicPr>
-          <p:cNvPr id="2050" name="Picture 2"/>
-          <p:cNvPicPr>
-            <a:picLocks noChangeAspect="1" noChangeArrowheads="1"/>
-          </p:cNvPicPr>
-          <p:nvPr userDrawn="1"/>
-        </p:nvPicPr>
-        <p:blipFill>
-          <a:blip r:embed="rId2">
-            <a:extLst>
-              <a:ext uri="{28A0092B-C50C-407E-A947-70E740481C1C}">
-                <a14:useLocalDpi xmlns:a14="http://schemas.microsoft.com/office/drawing/2010/main" val="0"/>
-              </a:ext>
-            </a:extLst>
-          </a:blip>
-          <a:srcRect/>
-          <a:stretch>
-            <a:fillRect/>
-          </a:stretch>
-        </p:blipFill>
-        <p:spPr bwMode="auto">
-          <a:xfrm>
-            <a:off x="3840163" y="3167063"/>
-            <a:ext cx="1463675" cy="523875"/>
-          </a:xfrm>
-          <a:prstGeom prst="rect">
-            <a:avLst/>
-          </a:prstGeom>
-          <a:noFill/>
-          <a:ln>
-            <a:noFill/>
-          </a:ln>
-          <a:effectLst/>
-          <a:extLst>
-            <a:ext uri="{909E8E84-426E-40DD-AFC4-6F175D3DCCD1}">
-              <a14:hiddenFill xmlns:a14="http://schemas.microsoft.com/office/drawing/2010/main">
-                <a:solidFill>
-                  <a:schemeClr val="accent1"/>
-                </a:solidFill>
-              </a14:hiddenFill>
-            </a:ext>
-            <a:ext uri="{91240B29-F687-4F45-9708-019B960494DF}">
-              <a14:hiddenLine xmlns:a14="http://schemas.microsoft.com/office/drawing/2010/main" w="9525">
-                <a:solidFill>
-                  <a:schemeClr val="tx1"/>
-                </a:solidFill>
-                <a:miter lim="800000"/>
-                <a:headEnd/>
-                <a:tailEnd/>
-              </a14:hiddenLine>
-            </a:ext>
-            <a:ext uri="{AF507438-7753-43E0-B8FC-AC1667EBCBE1}">
-              <a14:hiddenEffects xmlns:a14="http://schemas.microsoft.com/office/drawing/2010/main">
-                <a:effectLst>
-                  <a:outerShdw dist="35921" dir="2700000" algn="ctr" rotWithShape="0">
-                    <a:schemeClr val="bg2"/>
-                  </a:outerShdw>
-                </a:effectLst>
-              </a14:hiddenEffects>
-            </a:ext>
-          </a:extLst>
-        </p:spPr>
-      </p:pic>
     </p:spTree>
-    <p:extLst>
-      <p:ext uri="{BB962C8B-B14F-4D97-AF65-F5344CB8AC3E}">
-        <p14:creationId xmlns:p14="http://schemas.microsoft.com/office/powerpoint/2010/main" val="893609949"/>
-      </p:ext>
-    </p:extLst>
   </p:cSld>
   <p:clrMapOvr>
     <a:masterClrMapping/>
@@ -1564,37 +779,16 @@
             <p:ph type="title"/>
           </p:nvPr>
         </p:nvSpPr>
-        <p:spPr>
-          <a:xfrm>
-            <a:off x="471947" y="299116"/>
-            <a:ext cx="8259098" cy="1018035"/>
-          </a:xfrm>
-        </p:spPr>
-        <p:txBody>
-          <a:bodyPr>
-            <a:normAutofit/>
-          </a:bodyPr>
-          <a:lstStyle>
-            <a:lvl1pPr algn="r">
-              <a:defRPr sz="3600" baseline="0">
-                <a:solidFill>
-                  <a:srgbClr val="0070C0"/>
-                </a:solidFill>
-                <a:effectLst>
-                  <a:outerShdw blurRad="50800" dist="38100" dir="2700000" algn="tl" rotWithShape="0">
-                    <a:prstClr val="black">
-                      <a:alpha val="40000"/>
-                    </a:prstClr>
-                  </a:outerShdw>
-                </a:effectLst>
-              </a:defRPr>
-            </a:lvl1pPr>
-          </a:lstStyle>
-          <a:p>
-            <a:r>
-              <a:rPr lang="en-US" dirty="0"/>
+        <p:spPr/>
+        <p:txBody>
+          <a:bodyPr/>
+          <a:lstStyle/>
+          <a:p>
+            <a:r>
+              <a:rPr lang="en-US" smtClean="0"/>
               <a:t>Click to edit Master title style</a:t>
             </a:r>
+            <a:endParaRPr lang="en-US"/>
           </a:p>
         </p:txBody>
       </p:sp>
@@ -1608,85 +802,45 @@
             <p:ph idx="1"/>
           </p:nvPr>
         </p:nvSpPr>
-        <p:spPr>
-          <a:xfrm>
-            <a:off x="463714" y="1750141"/>
-            <a:ext cx="8246070" cy="4621160"/>
-          </a:xfrm>
-        </p:spPr>
-        <p:txBody>
-          <a:bodyPr/>
-          <a:lstStyle>
-            <a:lvl1pPr algn="l">
-              <a:defRPr sz="2800">
-                <a:solidFill>
-                  <a:schemeClr val="bg1"/>
-                </a:solidFill>
-              </a:defRPr>
-            </a:lvl1pPr>
-            <a:lvl2pPr algn="l">
-              <a:defRPr>
-                <a:solidFill>
-                  <a:schemeClr val="bg1"/>
-                </a:solidFill>
-              </a:defRPr>
-            </a:lvl2pPr>
-            <a:lvl3pPr algn="l">
-              <a:defRPr>
-                <a:solidFill>
-                  <a:schemeClr val="bg1"/>
-                </a:solidFill>
-              </a:defRPr>
-            </a:lvl3pPr>
-            <a:lvl4pPr algn="l">
-              <a:defRPr>
-                <a:solidFill>
-                  <a:schemeClr val="bg1"/>
-                </a:solidFill>
-              </a:defRPr>
-            </a:lvl4pPr>
-            <a:lvl5pPr algn="l">
-              <a:defRPr>
-                <a:solidFill>
-                  <a:schemeClr val="bg1"/>
-                </a:solidFill>
-              </a:defRPr>
-            </a:lvl5pPr>
-          </a:lstStyle>
+        <p:spPr/>
+        <p:txBody>
+          <a:bodyPr/>
+          <a:lstStyle/>
           <a:p>
             <a:pPr lvl="0"/>
             <a:r>
-              <a:rPr lang="en-US" dirty="0"/>
+              <a:rPr lang="en-US" smtClean="0"/>
               <a:t>Click to edit Master text styles</a:t>
             </a:r>
           </a:p>
           <a:p>
             <a:pPr lvl="1"/>
             <a:r>
-              <a:rPr lang="en-US" dirty="0"/>
+              <a:rPr lang="en-US" smtClean="0"/>
               <a:t>Second level</a:t>
             </a:r>
           </a:p>
           <a:p>
             <a:pPr lvl="2"/>
             <a:r>
-              <a:rPr lang="en-US" dirty="0"/>
+              <a:rPr lang="en-US" smtClean="0"/>
               <a:t>Third level</a:t>
             </a:r>
           </a:p>
           <a:p>
             <a:pPr lvl="3"/>
             <a:r>
-              <a:rPr lang="en-US" dirty="0"/>
+              <a:rPr lang="en-US" smtClean="0"/>
               <a:t>Fourth level</a:t>
             </a:r>
           </a:p>
           <a:p>
             <a:pPr lvl="4"/>
             <a:r>
-              <a:rPr lang="en-US" dirty="0"/>
+              <a:rPr lang="en-US" smtClean="0"/>
               <a:t>Fifth level</a:t>
             </a:r>
+            <a:endParaRPr lang="en-US"/>
           </a:p>
         </p:txBody>
       </p:sp>
@@ -1705,10 +859,10 @@
           <a:bodyPr/>
           <a:lstStyle/>
           <a:p>
-            <a:fld id="{53074F12-AA26-4AC8-9962-C36BB8F32554}" type="datetimeFigureOut">
+            <a:fld id="{1D8BD707-D9CF-40AE-B4C6-C98DA3205C09}" type="datetimeFigureOut">
               <a:rPr lang="en-US" smtClean="0"/>
               <a:pPr/>
-              <a:t>8/13/2018</a:t>
+              <a:t>8/1/2011</a:t>
             </a:fld>
             <a:endParaRPr lang="en-US"/>
           </a:p>
@@ -1748,7 +902,7 @@
           <a:bodyPr/>
           <a:lstStyle/>
           <a:p>
-            <a:fld id="{B82CCC60-E8CD-4174-8B1A-7DF615B22EEF}" type="slidenum">
+            <a:fld id="{B6F15528-21DE-4FAA-801E-634DDDAF4B2B}" type="slidenum">
               <a:rPr lang="en-US" smtClean="0"/>
               <a:pPr/>
               <a:t>‹#›</a:t>
@@ -1758,11 +912,6 @@
         </p:txBody>
       </p:sp>
     </p:spTree>
-    <p:extLst>
-      <p:ext uri="{BB962C8B-B14F-4D97-AF65-F5344CB8AC3E}">
-        <p14:creationId xmlns:p14="http://schemas.microsoft.com/office/powerpoint/2010/main" val="1664471362"/>
-      </p:ext>
-    </p:extLst>
   </p:cSld>
   <p:clrMapOvr>
     <a:masterClrMapping/>
@@ -1771,253 +920,6 @@
 </file>
 
 <file path=ppt/slideLayouts/slideLayout3.xml><?xml version="1.0" encoding="utf-8"?>
-<p:sldLayout xmlns:a="http://schemas.openxmlformats.org/drawingml/2006/main" xmlns:r="http://schemas.openxmlformats.org/officeDocument/2006/relationships" xmlns:p="http://schemas.openxmlformats.org/presentationml/2006/main" type="obj" preserve="1">
-  <p:cSld name="1_Title and Content">
-    <p:bg>
-      <p:bgPr>
-        <a:blipFill dpi="0" rotWithShape="1">
-          <a:blip r:embed="rId2">
-            <a:lum/>
-          </a:blip>
-          <a:srcRect/>
-          <a:stretch>
-            <a:fillRect l="-2000" r="-28000"/>
-          </a:stretch>
-        </a:blipFill>
-        <a:effectLst/>
-      </p:bgPr>
-    </p:bg>
-    <p:spTree>
-      <p:nvGrpSpPr>
-        <p:cNvPr id="1" name=""/>
-        <p:cNvGrpSpPr/>
-        <p:nvPr/>
-      </p:nvGrpSpPr>
-      <p:grpSpPr>
-        <a:xfrm>
-          <a:off x="0" y="0"/>
-          <a:ext cx="0" cy="0"/>
-          <a:chOff x="0" y="0"/>
-          <a:chExt cx="0" cy="0"/>
-        </a:xfrm>
-      </p:grpSpPr>
-      <p:sp>
-        <p:nvSpPr>
-          <p:cNvPr id="2" name="Title 1"/>
-          <p:cNvSpPr>
-            <a:spLocks noGrp="1"/>
-          </p:cNvSpPr>
-          <p:nvPr>
-            <p:ph type="title"/>
-          </p:nvPr>
-        </p:nvSpPr>
-        <p:spPr>
-          <a:xfrm>
-            <a:off x="2392106" y="542050"/>
-            <a:ext cx="6283782" cy="967132"/>
-          </a:xfrm>
-        </p:spPr>
-        <p:txBody>
-          <a:bodyPr>
-            <a:normAutofit/>
-          </a:bodyPr>
-          <a:lstStyle>
-            <a:lvl1pPr algn="l">
-              <a:defRPr sz="3600">
-                <a:solidFill>
-                  <a:srgbClr val="0070C0"/>
-                </a:solidFill>
-                <a:effectLst>
-                  <a:outerShdw blurRad="50800" dist="38100" dir="2700000" algn="tl" rotWithShape="0">
-                    <a:prstClr val="black">
-                      <a:alpha val="40000"/>
-                    </a:prstClr>
-                  </a:outerShdw>
-                </a:effectLst>
-              </a:defRPr>
-            </a:lvl1pPr>
-          </a:lstStyle>
-          <a:p>
-            <a:r>
-              <a:rPr lang="en-US" dirty="0"/>
-              <a:t>Click to edit Master title style</a:t>
-            </a:r>
-          </a:p>
-        </p:txBody>
-      </p:sp>
-      <p:sp>
-        <p:nvSpPr>
-          <p:cNvPr id="3" name="Content Placeholder 2"/>
-          <p:cNvSpPr>
-            <a:spLocks noGrp="1"/>
-          </p:cNvSpPr>
-          <p:nvPr>
-            <p:ph idx="1"/>
-          </p:nvPr>
-        </p:nvSpPr>
-        <p:spPr>
-          <a:xfrm>
-            <a:off x="2389239" y="1691148"/>
-            <a:ext cx="6304935" cy="4560181"/>
-          </a:xfrm>
-        </p:spPr>
-        <p:txBody>
-          <a:bodyPr/>
-          <a:lstStyle>
-            <a:lvl1pPr>
-              <a:defRPr sz="2800">
-                <a:solidFill>
-                  <a:srgbClr val="002060"/>
-                </a:solidFill>
-              </a:defRPr>
-            </a:lvl1pPr>
-            <a:lvl2pPr>
-              <a:defRPr>
-                <a:solidFill>
-                  <a:srgbClr val="002060"/>
-                </a:solidFill>
-              </a:defRPr>
-            </a:lvl2pPr>
-            <a:lvl3pPr>
-              <a:defRPr>
-                <a:solidFill>
-                  <a:srgbClr val="002060"/>
-                </a:solidFill>
-              </a:defRPr>
-            </a:lvl3pPr>
-            <a:lvl4pPr>
-              <a:defRPr>
-                <a:solidFill>
-                  <a:srgbClr val="002060"/>
-                </a:solidFill>
-              </a:defRPr>
-            </a:lvl4pPr>
-            <a:lvl5pPr>
-              <a:defRPr>
-                <a:solidFill>
-                  <a:srgbClr val="002060"/>
-                </a:solidFill>
-              </a:defRPr>
-            </a:lvl5pPr>
-          </a:lstStyle>
-          <a:p>
-            <a:pPr lvl="0"/>
-            <a:r>
-              <a:rPr lang="en-US" dirty="0"/>
-              <a:t>Click to edit Master text styles</a:t>
-            </a:r>
-          </a:p>
-          <a:p>
-            <a:pPr lvl="1"/>
-            <a:r>
-              <a:rPr lang="en-US" dirty="0"/>
-              <a:t>Second level</a:t>
-            </a:r>
-          </a:p>
-          <a:p>
-            <a:pPr lvl="2"/>
-            <a:r>
-              <a:rPr lang="en-US" dirty="0"/>
-              <a:t>Third level</a:t>
-            </a:r>
-          </a:p>
-          <a:p>
-            <a:pPr lvl="3"/>
-            <a:r>
-              <a:rPr lang="en-US" dirty="0"/>
-              <a:t>Fourth level</a:t>
-            </a:r>
-          </a:p>
-          <a:p>
-            <a:pPr lvl="4"/>
-            <a:r>
-              <a:rPr lang="en-US" dirty="0"/>
-              <a:t>Fifth level</a:t>
-            </a:r>
-          </a:p>
-        </p:txBody>
-      </p:sp>
-      <p:sp>
-        <p:nvSpPr>
-          <p:cNvPr id="4" name="Date Placeholder 3"/>
-          <p:cNvSpPr>
-            <a:spLocks noGrp="1"/>
-          </p:cNvSpPr>
-          <p:nvPr>
-            <p:ph type="dt" sz="half" idx="10"/>
-          </p:nvPr>
-        </p:nvSpPr>
-        <p:spPr/>
-        <p:txBody>
-          <a:bodyPr/>
-          <a:lstStyle/>
-          <a:p>
-            <a:fld id="{53074F12-AA26-4AC8-9962-C36BB8F32554}" type="datetimeFigureOut">
-              <a:rPr lang="en-US" smtClean="0"/>
-              <a:pPr/>
-              <a:t>8/13/2018</a:t>
-            </a:fld>
-            <a:endParaRPr lang="en-US"/>
-          </a:p>
-        </p:txBody>
-      </p:sp>
-      <p:sp>
-        <p:nvSpPr>
-          <p:cNvPr id="5" name="Footer Placeholder 4"/>
-          <p:cNvSpPr>
-            <a:spLocks noGrp="1"/>
-          </p:cNvSpPr>
-          <p:nvPr>
-            <p:ph type="ftr" sz="quarter" idx="11"/>
-          </p:nvPr>
-        </p:nvSpPr>
-        <p:spPr/>
-        <p:txBody>
-          <a:bodyPr/>
-          <a:lstStyle/>
-          <a:p>
-            <a:endParaRPr lang="en-US" dirty="0"/>
-          </a:p>
-        </p:txBody>
-      </p:sp>
-      <p:sp>
-        <p:nvSpPr>
-          <p:cNvPr id="6" name="Slide Number Placeholder 5"/>
-          <p:cNvSpPr>
-            <a:spLocks noGrp="1"/>
-          </p:cNvSpPr>
-          <p:nvPr>
-            <p:ph type="sldNum" sz="quarter" idx="12"/>
-          </p:nvPr>
-        </p:nvSpPr>
-        <p:spPr/>
-        <p:txBody>
-          <a:bodyPr/>
-          <a:lstStyle/>
-          <a:p>
-            <a:fld id="{B82CCC60-E8CD-4174-8B1A-7DF615B22EEF}" type="slidenum">
-              <a:rPr lang="en-US" smtClean="0"/>
-              <a:pPr/>
-              <a:t>‹#›</a:t>
-            </a:fld>
-            <a:endParaRPr lang="en-US"/>
-          </a:p>
-        </p:txBody>
-      </p:sp>
-    </p:spTree>
-    <p:extLst>
-      <p:ext uri="{BB962C8B-B14F-4D97-AF65-F5344CB8AC3E}">
-        <p14:creationId xmlns:p14="http://schemas.microsoft.com/office/powerpoint/2010/main" val="1629391393"/>
-      </p:ext>
-    </p:extLst>
-  </p:cSld>
-  <p:clrMapOvr>
-    <a:masterClrMapping/>
-  </p:clrMapOvr>
-</p:sldLayout>
-</file>
-
-<file path=ppt/slideLayouts/slideLayout4.xml><?xml version="1.0" encoding="utf-8"?>
 <p:sldLayout xmlns:a="http://schemas.openxmlformats.org/drawingml/2006/main" xmlns:r="http://schemas.openxmlformats.org/officeDocument/2006/relationships" xmlns:p="http://schemas.openxmlformats.org/presentationml/2006/main" type="secHead" preserve="1">
   <p:cSld name="Section Header">
     <p:spTree>
@@ -2046,7 +948,7 @@
         </p:nvSpPr>
         <p:spPr>
           <a:xfrm>
-            <a:off x="722313" y="4406901"/>
+            <a:off x="722313" y="4406900"/>
             <a:ext cx="7772400" cy="1362075"/>
           </a:xfrm>
         </p:spPr>
@@ -2059,9 +961,10 @@
           </a:lstStyle>
           <a:p>
             <a:r>
-              <a:rPr lang="en-US"/>
+              <a:rPr lang="en-US" smtClean="0"/>
               <a:t>Click to edit Master title style</a:t>
             </a:r>
+            <a:endParaRPr lang="en-US"/>
           </a:p>
         </p:txBody>
       </p:sp>
@@ -2178,7 +1081,7 @@
           <a:p>
             <a:pPr lvl="0"/>
             <a:r>
-              <a:rPr lang="en-US"/>
+              <a:rPr lang="en-US" smtClean="0"/>
               <a:t>Click to edit Master text styles</a:t>
             </a:r>
           </a:p>
@@ -2199,10 +1102,10 @@
           <a:bodyPr/>
           <a:lstStyle/>
           <a:p>
-            <a:fld id="{53074F12-AA26-4AC8-9962-C36BB8F32554}" type="datetimeFigureOut">
+            <a:fld id="{1D8BD707-D9CF-40AE-B4C6-C98DA3205C09}" type="datetimeFigureOut">
               <a:rPr lang="en-US" smtClean="0"/>
               <a:pPr/>
-              <a:t>8/13/2018</a:t>
+              <a:t>8/1/2011</a:t>
             </a:fld>
             <a:endParaRPr lang="en-US"/>
           </a:p>
@@ -2242,7 +1145,7 @@
           <a:bodyPr/>
           <a:lstStyle/>
           <a:p>
-            <a:fld id="{B82CCC60-E8CD-4174-8B1A-7DF615B22EEF}" type="slidenum">
+            <a:fld id="{B6F15528-21DE-4FAA-801E-634DDDAF4B2B}" type="slidenum">
               <a:rPr lang="en-US" smtClean="0"/>
               <a:pPr/>
               <a:t>‹#›</a:t>
@@ -2252,11 +1155,6 @@
         </p:txBody>
       </p:sp>
     </p:spTree>
-    <p:extLst>
-      <p:ext uri="{BB962C8B-B14F-4D97-AF65-F5344CB8AC3E}">
-        <p14:creationId xmlns:p14="http://schemas.microsoft.com/office/powerpoint/2010/main" val="3863441575"/>
-      </p:ext>
-    </p:extLst>
   </p:cSld>
   <p:clrMapOvr>
     <a:masterClrMapping/>
@@ -2264,7 +1162,7 @@
 </p:sldLayout>
 </file>
 
-<file path=ppt/slideLayouts/slideLayout5.xml><?xml version="1.0" encoding="utf-8"?>
+<file path=ppt/slideLayouts/slideLayout4.xml><?xml version="1.0" encoding="utf-8"?>
 <p:sldLayout xmlns:a="http://schemas.openxmlformats.org/drawingml/2006/main" xmlns:r="http://schemas.openxmlformats.org/officeDocument/2006/relationships" xmlns:p="http://schemas.openxmlformats.org/presentationml/2006/main" type="twoObj" preserve="1">
   <p:cSld name="Two Content">
     <p:spTree>
@@ -2297,9 +1195,10 @@
           <a:lstStyle/>
           <a:p>
             <a:r>
-              <a:rPr lang="en-US"/>
+              <a:rPr lang="en-US" smtClean="0"/>
               <a:t>Click to edit Master title style</a:t>
             </a:r>
+            <a:endParaRPr lang="en-US"/>
           </a:p>
         </p:txBody>
       </p:sp>
@@ -2315,7 +1214,7 @@
         </p:nvSpPr>
         <p:spPr>
           <a:xfrm>
-            <a:off x="457200" y="1600201"/>
+            <a:off x="457200" y="1600200"/>
             <a:ext cx="4038600" cy="4525963"/>
           </a:xfrm>
         </p:spPr>
@@ -2353,37 +1252,38 @@
           <a:p>
             <a:pPr lvl="0"/>
             <a:r>
-              <a:rPr lang="en-US"/>
+              <a:rPr lang="en-US" smtClean="0"/>
               <a:t>Click to edit Master text styles</a:t>
             </a:r>
           </a:p>
           <a:p>
             <a:pPr lvl="1"/>
             <a:r>
-              <a:rPr lang="en-US"/>
+              <a:rPr lang="en-US" smtClean="0"/>
               <a:t>Second level</a:t>
             </a:r>
           </a:p>
           <a:p>
             <a:pPr lvl="2"/>
             <a:r>
-              <a:rPr lang="en-US"/>
+              <a:rPr lang="en-US" smtClean="0"/>
               <a:t>Third level</a:t>
             </a:r>
           </a:p>
           <a:p>
             <a:pPr lvl="3"/>
             <a:r>
-              <a:rPr lang="en-US"/>
+              <a:rPr lang="en-US" smtClean="0"/>
               <a:t>Fourth level</a:t>
             </a:r>
           </a:p>
           <a:p>
             <a:pPr lvl="4"/>
             <a:r>
-              <a:rPr lang="en-US"/>
+              <a:rPr lang="en-US" smtClean="0"/>
               <a:t>Fifth level</a:t>
             </a:r>
+            <a:endParaRPr lang="en-US"/>
           </a:p>
         </p:txBody>
       </p:sp>
@@ -2399,7 +1299,7 @@
         </p:nvSpPr>
         <p:spPr>
           <a:xfrm>
-            <a:off x="4648200" y="1600201"/>
+            <a:off x="4648200" y="1600200"/>
             <a:ext cx="4038600" cy="4525963"/>
           </a:xfrm>
         </p:spPr>
@@ -2437,37 +1337,38 @@
           <a:p>
             <a:pPr lvl="0"/>
             <a:r>
-              <a:rPr lang="en-US"/>
+              <a:rPr lang="en-US" smtClean="0"/>
               <a:t>Click to edit Master text styles</a:t>
             </a:r>
           </a:p>
           <a:p>
             <a:pPr lvl="1"/>
             <a:r>
-              <a:rPr lang="en-US"/>
+              <a:rPr lang="en-US" smtClean="0"/>
               <a:t>Second level</a:t>
             </a:r>
           </a:p>
           <a:p>
             <a:pPr lvl="2"/>
             <a:r>
-              <a:rPr lang="en-US"/>
+              <a:rPr lang="en-US" smtClean="0"/>
               <a:t>Third level</a:t>
             </a:r>
           </a:p>
           <a:p>
             <a:pPr lvl="3"/>
             <a:r>
-              <a:rPr lang="en-US"/>
+              <a:rPr lang="en-US" smtClean="0"/>
               <a:t>Fourth level</a:t>
             </a:r>
           </a:p>
           <a:p>
             <a:pPr lvl="4"/>
             <a:r>
-              <a:rPr lang="en-US"/>
+              <a:rPr lang="en-US" smtClean="0"/>
               <a:t>Fifth level</a:t>
             </a:r>
+            <a:endParaRPr lang="en-US"/>
           </a:p>
         </p:txBody>
       </p:sp>
@@ -2486,10 +1387,10 @@
           <a:bodyPr/>
           <a:lstStyle/>
           <a:p>
-            <a:fld id="{53074F12-AA26-4AC8-9962-C36BB8F32554}" type="datetimeFigureOut">
+            <a:fld id="{1D8BD707-D9CF-40AE-B4C6-C98DA3205C09}" type="datetimeFigureOut">
               <a:rPr lang="en-US" smtClean="0"/>
               <a:pPr/>
-              <a:t>8/13/2018</a:t>
+              <a:t>8/1/2011</a:t>
             </a:fld>
             <a:endParaRPr lang="en-US"/>
           </a:p>
@@ -2529,7 +1430,7 @@
           <a:bodyPr/>
           <a:lstStyle/>
           <a:p>
-            <a:fld id="{B82CCC60-E8CD-4174-8B1A-7DF615B22EEF}" type="slidenum">
+            <a:fld id="{B6F15528-21DE-4FAA-801E-634DDDAF4B2B}" type="slidenum">
               <a:rPr lang="en-US" smtClean="0"/>
               <a:pPr/>
               <a:t>‹#›</a:t>
@@ -2539,11 +1440,6 @@
         </p:txBody>
       </p:sp>
     </p:spTree>
-    <p:extLst>
-      <p:ext uri="{BB962C8B-B14F-4D97-AF65-F5344CB8AC3E}">
-        <p14:creationId xmlns:p14="http://schemas.microsoft.com/office/powerpoint/2010/main" val="3556791830"/>
-      </p:ext>
-    </p:extLst>
   </p:cSld>
   <p:clrMapOvr>
     <a:masterClrMapping/>
@@ -2551,7 +1447,7 @@
 </p:sldLayout>
 </file>
 
-<file path=ppt/slideLayouts/slideLayout6.xml><?xml version="1.0" encoding="utf-8"?>
+<file path=ppt/slideLayouts/slideLayout5.xml><?xml version="1.0" encoding="utf-8"?>
 <p:sldLayout xmlns:a="http://schemas.openxmlformats.org/drawingml/2006/main" xmlns:r="http://schemas.openxmlformats.org/officeDocument/2006/relationships" xmlns:p="http://schemas.openxmlformats.org/presentationml/2006/main" type="twoTxTwoObj" preserve="1">
   <p:cSld name="Comparison">
     <p:spTree>
@@ -2578,66 +1474,45 @@
             <p:ph type="title"/>
           </p:nvPr>
         </p:nvSpPr>
+        <p:spPr/>
+        <p:txBody>
+          <a:bodyPr/>
+          <a:lstStyle>
+            <a:lvl1pPr>
+              <a:defRPr/>
+            </a:lvl1pPr>
+          </a:lstStyle>
+          <a:p>
+            <a:r>
+              <a:rPr lang="en-US" smtClean="0"/>
+              <a:t>Click to edit Master title style</a:t>
+            </a:r>
+            <a:endParaRPr lang="en-US"/>
+          </a:p>
+        </p:txBody>
+      </p:sp>
+      <p:sp>
+        <p:nvSpPr>
+          <p:cNvPr id="3" name="Text Placeholder 2"/>
+          <p:cNvSpPr>
+            <a:spLocks noGrp="1"/>
+          </p:cNvSpPr>
+          <p:nvPr>
+            <p:ph type="body" idx="1"/>
+          </p:nvPr>
+        </p:nvSpPr>
         <p:spPr>
           <a:xfrm>
-            <a:off x="532693" y="362198"/>
-            <a:ext cx="8093365" cy="1018033"/>
+            <a:off x="457200" y="1535113"/>
+            <a:ext cx="4040188" cy="639762"/>
           </a:xfrm>
         </p:spPr>
         <p:txBody>
-          <a:bodyPr>
-            <a:normAutofit/>
-          </a:bodyPr>
-          <a:lstStyle>
-            <a:lvl1pPr algn="r">
-              <a:defRPr sz="3600" baseline="0">
-                <a:solidFill>
-                  <a:srgbClr val="0070C0"/>
-                </a:solidFill>
-                <a:effectLst>
-                  <a:outerShdw blurRad="50800" dist="38100" dir="2700000" algn="tl" rotWithShape="0">
-                    <a:prstClr val="black">
-                      <a:alpha val="40000"/>
-                    </a:prstClr>
-                  </a:outerShdw>
-                </a:effectLst>
-              </a:defRPr>
-            </a:lvl1pPr>
-          </a:lstStyle>
-          <a:p>
-            <a:r>
-              <a:rPr lang="en-US" dirty="0"/>
-              <a:t>Click to edit Master title style</a:t>
-            </a:r>
-          </a:p>
-        </p:txBody>
-      </p:sp>
-      <p:sp>
-        <p:nvSpPr>
-          <p:cNvPr id="3" name="Text Placeholder 2"/>
-          <p:cNvSpPr>
-            <a:spLocks noGrp="1"/>
-          </p:cNvSpPr>
-          <p:nvPr>
-            <p:ph type="body" idx="1"/>
-          </p:nvPr>
-        </p:nvSpPr>
-        <p:spPr>
-          <a:xfrm>
-            <a:off x="522131" y="2207356"/>
-            <a:ext cx="4040188" cy="639763"/>
-          </a:xfrm>
-        </p:spPr>
-        <p:txBody>
           <a:bodyPr anchor="b"/>
           <a:lstStyle>
-            <a:lvl1pPr marL="0" indent="0" algn="ctr">
-              <a:buNone/>
-              <a:defRPr sz="2400" b="1">
-                <a:solidFill>
-                  <a:schemeClr val="bg1"/>
-                </a:solidFill>
-              </a:defRPr>
+            <a:lvl1pPr marL="0" indent="0">
+              <a:buNone/>
+              <a:defRPr sz="2400" b="1"/>
             </a:lvl1pPr>
             <a:lvl2pPr marL="457200" indent="0">
               <a:buNone/>
@@ -2675,7 +1550,7 @@
           <a:p>
             <a:pPr lvl="0"/>
             <a:r>
-              <a:rPr lang="en-US" dirty="0"/>
+              <a:rPr lang="en-US" smtClean="0"/>
               <a:t>Click to edit Master text styles</a:t>
             </a:r>
           </a:p>
@@ -2693,47 +1568,27 @@
         </p:nvSpPr>
         <p:spPr>
           <a:xfrm>
-            <a:off x="522131" y="2837219"/>
-            <a:ext cx="4040188" cy="3035059"/>
+            <a:off x="457200" y="2174875"/>
+            <a:ext cx="4040188" cy="3951288"/>
           </a:xfrm>
         </p:spPr>
         <p:txBody>
           <a:bodyPr/>
           <a:lstStyle>
-            <a:lvl1pPr algn="ctr">
-              <a:defRPr sz="2400">
-                <a:solidFill>
-                  <a:schemeClr val="bg1"/>
-                </a:solidFill>
-              </a:defRPr>
+            <a:lvl1pPr>
+              <a:defRPr sz="2400"/>
             </a:lvl1pPr>
-            <a:lvl2pPr algn="ctr">
-              <a:defRPr sz="2000">
-                <a:solidFill>
-                  <a:schemeClr val="bg1"/>
-                </a:solidFill>
-              </a:defRPr>
+            <a:lvl2pPr>
+              <a:defRPr sz="2000"/>
             </a:lvl2pPr>
-            <a:lvl3pPr algn="ctr">
-              <a:defRPr sz="1800">
-                <a:solidFill>
-                  <a:schemeClr val="bg1"/>
-                </a:solidFill>
-              </a:defRPr>
+            <a:lvl3pPr>
+              <a:defRPr sz="1800"/>
             </a:lvl3pPr>
-            <a:lvl4pPr algn="ctr">
-              <a:defRPr sz="1600">
-                <a:solidFill>
-                  <a:schemeClr val="bg1"/>
-                </a:solidFill>
-              </a:defRPr>
+            <a:lvl4pPr>
+              <a:defRPr sz="1600"/>
             </a:lvl4pPr>
-            <a:lvl5pPr algn="ctr">
-              <a:defRPr sz="1600">
-                <a:solidFill>
-                  <a:schemeClr val="bg1"/>
-                </a:solidFill>
-              </a:defRPr>
+            <a:lvl5pPr>
+              <a:defRPr sz="1600"/>
             </a:lvl5pPr>
             <a:lvl6pPr>
               <a:defRPr sz="1600"/>
@@ -2751,37 +1606,38 @@
           <a:p>
             <a:pPr lvl="0"/>
             <a:r>
-              <a:rPr lang="en-US" dirty="0"/>
+              <a:rPr lang="en-US" smtClean="0"/>
               <a:t>Click to edit Master text styles</a:t>
             </a:r>
           </a:p>
           <a:p>
             <a:pPr lvl="1"/>
             <a:r>
-              <a:rPr lang="en-US" dirty="0"/>
+              <a:rPr lang="en-US" smtClean="0"/>
               <a:t>Second level</a:t>
             </a:r>
           </a:p>
           <a:p>
             <a:pPr lvl="2"/>
             <a:r>
-              <a:rPr lang="en-US" dirty="0"/>
+              <a:rPr lang="en-US" smtClean="0"/>
               <a:t>Third level</a:t>
             </a:r>
           </a:p>
           <a:p>
             <a:pPr lvl="3"/>
             <a:r>
-              <a:rPr lang="en-US" dirty="0"/>
+              <a:rPr lang="en-US" smtClean="0"/>
               <a:t>Fourth level</a:t>
             </a:r>
           </a:p>
           <a:p>
             <a:pPr lvl="4"/>
             <a:r>
-              <a:rPr lang="en-US" dirty="0"/>
+              <a:rPr lang="en-US" smtClean="0"/>
               <a:t>Fifth level</a:t>
             </a:r>
+            <a:endParaRPr lang="en-US"/>
           </a:p>
         </p:txBody>
       </p:sp>
@@ -2797,20 +1653,16 @@
         </p:nvSpPr>
         <p:spPr>
           <a:xfrm>
-            <a:off x="4557253" y="2207356"/>
-            <a:ext cx="4041775" cy="639763"/>
+            <a:off x="4645025" y="1535113"/>
+            <a:ext cx="4041775" cy="639762"/>
           </a:xfrm>
         </p:spPr>
         <p:txBody>
           <a:bodyPr anchor="b"/>
           <a:lstStyle>
-            <a:lvl1pPr marL="0" indent="0" algn="ctr">
-              <a:buNone/>
-              <a:defRPr sz="2400" b="1">
-                <a:solidFill>
-                  <a:schemeClr val="bg1"/>
-                </a:solidFill>
-              </a:defRPr>
+            <a:lvl1pPr marL="0" indent="0">
+              <a:buNone/>
+              <a:defRPr sz="2400" b="1"/>
             </a:lvl1pPr>
             <a:lvl2pPr marL="457200" indent="0">
               <a:buNone/>
@@ -2848,7 +1700,7 @@
           <a:p>
             <a:pPr lvl="0"/>
             <a:r>
-              <a:rPr lang="en-US" dirty="0"/>
+              <a:rPr lang="en-US" smtClean="0"/>
               <a:t>Click to edit Master text styles</a:t>
             </a:r>
           </a:p>
@@ -2866,47 +1718,27 @@
         </p:nvSpPr>
         <p:spPr>
           <a:xfrm>
-            <a:off x="4557253" y="2837219"/>
-            <a:ext cx="4041775" cy="3035059"/>
+            <a:off x="4645025" y="2174875"/>
+            <a:ext cx="4041775" cy="3951288"/>
           </a:xfrm>
         </p:spPr>
         <p:txBody>
           <a:bodyPr/>
           <a:lstStyle>
-            <a:lvl1pPr algn="ctr">
-              <a:defRPr sz="2400">
-                <a:solidFill>
-                  <a:schemeClr val="bg1"/>
-                </a:solidFill>
-              </a:defRPr>
+            <a:lvl1pPr>
+              <a:defRPr sz="2400"/>
             </a:lvl1pPr>
-            <a:lvl2pPr algn="ctr">
-              <a:defRPr sz="2000">
-                <a:solidFill>
-                  <a:schemeClr val="bg1"/>
-                </a:solidFill>
-              </a:defRPr>
+            <a:lvl2pPr>
+              <a:defRPr sz="2000"/>
             </a:lvl2pPr>
-            <a:lvl3pPr algn="ctr">
-              <a:defRPr sz="1800">
-                <a:solidFill>
-                  <a:schemeClr val="bg1"/>
-                </a:solidFill>
-              </a:defRPr>
+            <a:lvl3pPr>
+              <a:defRPr sz="1800"/>
             </a:lvl3pPr>
-            <a:lvl4pPr algn="ctr">
-              <a:defRPr sz="1600">
-                <a:solidFill>
-                  <a:schemeClr val="bg1"/>
-                </a:solidFill>
-              </a:defRPr>
+            <a:lvl4pPr>
+              <a:defRPr sz="1600"/>
             </a:lvl4pPr>
-            <a:lvl5pPr algn="ctr">
-              <a:defRPr sz="1600">
-                <a:solidFill>
-                  <a:schemeClr val="bg1"/>
-                </a:solidFill>
-              </a:defRPr>
+            <a:lvl5pPr>
+              <a:defRPr sz="1600"/>
             </a:lvl5pPr>
             <a:lvl6pPr>
               <a:defRPr sz="1600"/>
@@ -2924,37 +1756,38 @@
           <a:p>
             <a:pPr lvl="0"/>
             <a:r>
-              <a:rPr lang="en-US" dirty="0"/>
+              <a:rPr lang="en-US" smtClean="0"/>
               <a:t>Click to edit Master text styles</a:t>
             </a:r>
           </a:p>
           <a:p>
             <a:pPr lvl="1"/>
             <a:r>
-              <a:rPr lang="en-US" dirty="0"/>
+              <a:rPr lang="en-US" smtClean="0"/>
               <a:t>Second level</a:t>
             </a:r>
           </a:p>
           <a:p>
             <a:pPr lvl="2"/>
             <a:r>
-              <a:rPr lang="en-US" dirty="0"/>
+              <a:rPr lang="en-US" smtClean="0"/>
               <a:t>Third level</a:t>
             </a:r>
           </a:p>
           <a:p>
             <a:pPr lvl="3"/>
             <a:r>
-              <a:rPr lang="en-US" dirty="0"/>
+              <a:rPr lang="en-US" smtClean="0"/>
               <a:t>Fourth level</a:t>
             </a:r>
           </a:p>
           <a:p>
             <a:pPr lvl="4"/>
             <a:r>
-              <a:rPr lang="en-US" dirty="0"/>
+              <a:rPr lang="en-US" smtClean="0"/>
               <a:t>Fifth level</a:t>
             </a:r>
+            <a:endParaRPr lang="en-US"/>
           </a:p>
         </p:txBody>
       </p:sp>
@@ -2973,10 +1806,10 @@
           <a:bodyPr/>
           <a:lstStyle/>
           <a:p>
-            <a:fld id="{53074F12-AA26-4AC8-9962-C36BB8F32554}" type="datetimeFigureOut">
+            <a:fld id="{1D8BD707-D9CF-40AE-B4C6-C98DA3205C09}" type="datetimeFigureOut">
               <a:rPr lang="en-US" smtClean="0"/>
               <a:pPr/>
-              <a:t>8/13/2018</a:t>
+              <a:t>8/1/2011</a:t>
             </a:fld>
             <a:endParaRPr lang="en-US"/>
           </a:p>
@@ -3016,7 +1849,7 @@
           <a:bodyPr/>
           <a:lstStyle/>
           <a:p>
-            <a:fld id="{B82CCC60-E8CD-4174-8B1A-7DF615B22EEF}" type="slidenum">
+            <a:fld id="{B6F15528-21DE-4FAA-801E-634DDDAF4B2B}" type="slidenum">
               <a:rPr lang="en-US" smtClean="0"/>
               <a:pPr/>
               <a:t>‹#›</a:t>
@@ -3026,11 +1859,6 @@
         </p:txBody>
       </p:sp>
     </p:spTree>
-    <p:extLst>
-      <p:ext uri="{BB962C8B-B14F-4D97-AF65-F5344CB8AC3E}">
-        <p14:creationId xmlns:p14="http://schemas.microsoft.com/office/powerpoint/2010/main" val="4122911988"/>
-      </p:ext>
-    </p:extLst>
   </p:cSld>
   <p:clrMapOvr>
     <a:masterClrMapping/>
@@ -3038,7 +1866,7 @@
 </p:sldLayout>
 </file>
 
-<file path=ppt/slideLayouts/slideLayout7.xml><?xml version="1.0" encoding="utf-8"?>
+<file path=ppt/slideLayouts/slideLayout6.xml><?xml version="1.0" encoding="utf-8"?>
 <p:sldLayout xmlns:a="http://schemas.openxmlformats.org/drawingml/2006/main" xmlns:r="http://schemas.openxmlformats.org/officeDocument/2006/relationships" xmlns:p="http://schemas.openxmlformats.org/presentationml/2006/main" type="titleOnly" preserve="1">
   <p:cSld name="Title Only">
     <p:spTree>
@@ -3071,9 +1899,10 @@
           <a:lstStyle/>
           <a:p>
             <a:r>
-              <a:rPr lang="en-US"/>
+              <a:rPr lang="en-US" smtClean="0"/>
               <a:t>Click to edit Master title style</a:t>
             </a:r>
+            <a:endParaRPr lang="en-US"/>
           </a:p>
         </p:txBody>
       </p:sp>
@@ -3092,10 +1921,10 @@
           <a:bodyPr/>
           <a:lstStyle/>
           <a:p>
-            <a:fld id="{53074F12-AA26-4AC8-9962-C36BB8F32554}" type="datetimeFigureOut">
+            <a:fld id="{1D8BD707-D9CF-40AE-B4C6-C98DA3205C09}" type="datetimeFigureOut">
               <a:rPr lang="en-US" smtClean="0"/>
               <a:pPr/>
-              <a:t>8/13/2018</a:t>
+              <a:t>8/1/2011</a:t>
             </a:fld>
             <a:endParaRPr lang="en-US"/>
           </a:p>
@@ -3135,7 +1964,7 @@
           <a:bodyPr/>
           <a:lstStyle/>
           <a:p>
-            <a:fld id="{B82CCC60-E8CD-4174-8B1A-7DF615B22EEF}" type="slidenum">
+            <a:fld id="{B6F15528-21DE-4FAA-801E-634DDDAF4B2B}" type="slidenum">
               <a:rPr lang="en-US" smtClean="0"/>
               <a:pPr/>
               <a:t>‹#›</a:t>
@@ -3145,11 +1974,6 @@
         </p:txBody>
       </p:sp>
     </p:spTree>
-    <p:extLst>
-      <p:ext uri="{BB962C8B-B14F-4D97-AF65-F5344CB8AC3E}">
-        <p14:creationId xmlns:p14="http://schemas.microsoft.com/office/powerpoint/2010/main" val="3029773110"/>
-      </p:ext>
-    </p:extLst>
   </p:cSld>
   <p:clrMapOvr>
     <a:masterClrMapping/>
@@ -3157,7 +1981,7 @@
 </p:sldLayout>
 </file>
 
-<file path=ppt/slideLayouts/slideLayout8.xml><?xml version="1.0" encoding="utf-8"?>
+<file path=ppt/slideLayouts/slideLayout7.xml><?xml version="1.0" encoding="utf-8"?>
 <p:sldLayout xmlns:a="http://schemas.openxmlformats.org/drawingml/2006/main" xmlns:r="http://schemas.openxmlformats.org/officeDocument/2006/relationships" xmlns:p="http://schemas.openxmlformats.org/presentationml/2006/main" type="blank" preserve="1">
   <p:cSld name="Blank">
     <p:spTree>
@@ -3189,10 +2013,10 @@
           <a:bodyPr/>
           <a:lstStyle/>
           <a:p>
-            <a:fld id="{53074F12-AA26-4AC8-9962-C36BB8F32554}" type="datetimeFigureOut">
+            <a:fld id="{1D8BD707-D9CF-40AE-B4C6-C98DA3205C09}" type="datetimeFigureOut">
               <a:rPr lang="en-US" smtClean="0"/>
               <a:pPr/>
-              <a:t>8/13/2018</a:t>
+              <a:t>8/1/2011</a:t>
             </a:fld>
             <a:endParaRPr lang="en-US"/>
           </a:p>
@@ -3232,7 +2056,7 @@
           <a:bodyPr/>
           <a:lstStyle/>
           <a:p>
-            <a:fld id="{B82CCC60-E8CD-4174-8B1A-7DF615B22EEF}" type="slidenum">
+            <a:fld id="{B6F15528-21DE-4FAA-801E-634DDDAF4B2B}" type="slidenum">
               <a:rPr lang="en-US" smtClean="0"/>
               <a:pPr/>
               <a:t>‹#›</a:t>
@@ -3242,11 +2066,6 @@
         </p:txBody>
       </p:sp>
     </p:spTree>
-    <p:extLst>
-      <p:ext uri="{BB962C8B-B14F-4D97-AF65-F5344CB8AC3E}">
-        <p14:creationId xmlns:p14="http://schemas.microsoft.com/office/powerpoint/2010/main" val="4251864075"/>
-      </p:ext>
-    </p:extLst>
   </p:cSld>
   <p:clrMapOvr>
     <a:masterClrMapping/>
@@ -3254,7 +2073,7 @@
 </p:sldLayout>
 </file>
 
-<file path=ppt/slideLayouts/slideLayout9.xml><?xml version="1.0" encoding="utf-8"?>
+<file path=ppt/slideLayouts/slideLayout8.xml><?xml version="1.0" encoding="utf-8"?>
 <p:sldLayout xmlns:a="http://schemas.openxmlformats.org/drawingml/2006/main" xmlns:r="http://schemas.openxmlformats.org/officeDocument/2006/relationships" xmlns:p="http://schemas.openxmlformats.org/presentationml/2006/main" type="objTx" preserve="1">
   <p:cSld name="Content with Caption">
     <p:spTree>
@@ -3283,8 +2102,8 @@
         </p:nvSpPr>
         <p:spPr>
           <a:xfrm>
-            <a:off x="457202" y="273049"/>
-            <a:ext cx="3008313" cy="1162051"/>
+            <a:off x="457200" y="273050"/>
+            <a:ext cx="3008313" cy="1162050"/>
           </a:xfrm>
         </p:spPr>
         <p:txBody>
@@ -3296,9 +2115,10 @@
           </a:lstStyle>
           <a:p>
             <a:r>
-              <a:rPr lang="en-US"/>
+              <a:rPr lang="en-US" smtClean="0"/>
               <a:t>Click to edit Master title style</a:t>
             </a:r>
+            <a:endParaRPr lang="en-US"/>
           </a:p>
         </p:txBody>
       </p:sp>
@@ -3314,7 +2134,7 @@
         </p:nvSpPr>
         <p:spPr>
           <a:xfrm>
-            <a:off x="3575050" y="273052"/>
+            <a:off x="3575050" y="273050"/>
             <a:ext cx="5111750" cy="5853113"/>
           </a:xfrm>
         </p:spPr>
@@ -3352,37 +2172,38 @@
           <a:p>
             <a:pPr lvl="0"/>
             <a:r>
-              <a:rPr lang="en-US"/>
+              <a:rPr lang="en-US" smtClean="0"/>
               <a:t>Click to edit Master text styles</a:t>
             </a:r>
           </a:p>
           <a:p>
             <a:pPr lvl="1"/>
             <a:r>
-              <a:rPr lang="en-US"/>
+              <a:rPr lang="en-US" smtClean="0"/>
               <a:t>Second level</a:t>
             </a:r>
           </a:p>
           <a:p>
             <a:pPr lvl="2"/>
             <a:r>
-              <a:rPr lang="en-US"/>
+              <a:rPr lang="en-US" smtClean="0"/>
               <a:t>Third level</a:t>
             </a:r>
           </a:p>
           <a:p>
             <a:pPr lvl="3"/>
             <a:r>
-              <a:rPr lang="en-US"/>
+              <a:rPr lang="en-US" smtClean="0"/>
               <a:t>Fourth level</a:t>
             </a:r>
           </a:p>
           <a:p>
             <a:pPr lvl="4"/>
             <a:r>
-              <a:rPr lang="en-US"/>
+              <a:rPr lang="en-US" smtClean="0"/>
               <a:t>Fifth level</a:t>
             </a:r>
+            <a:endParaRPr lang="en-US"/>
           </a:p>
         </p:txBody>
       </p:sp>
@@ -3398,7 +2219,7 @@
         </p:nvSpPr>
         <p:spPr>
           <a:xfrm>
-            <a:off x="457202" y="1435102"/>
+            <a:off x="457200" y="1435100"/>
             <a:ext cx="3008313" cy="4691063"/>
           </a:xfrm>
         </p:spPr>
@@ -3445,7 +2266,7 @@
           <a:p>
             <a:pPr lvl="0"/>
             <a:r>
-              <a:rPr lang="en-US"/>
+              <a:rPr lang="en-US" smtClean="0"/>
               <a:t>Click to edit Master text styles</a:t>
             </a:r>
           </a:p>
@@ -3466,10 +2287,10 @@
           <a:bodyPr/>
           <a:lstStyle/>
           <a:p>
-            <a:fld id="{53074F12-AA26-4AC8-9962-C36BB8F32554}" type="datetimeFigureOut">
+            <a:fld id="{1D8BD707-D9CF-40AE-B4C6-C98DA3205C09}" type="datetimeFigureOut">
               <a:rPr lang="en-US" smtClean="0"/>
               <a:pPr/>
-              <a:t>8/13/2018</a:t>
+              <a:t>8/1/2011</a:t>
             </a:fld>
             <a:endParaRPr lang="en-US"/>
           </a:p>
@@ -3509,7 +2330,7 @@
           <a:bodyPr/>
           <a:lstStyle/>
           <a:p>
-            <a:fld id="{B82CCC60-E8CD-4174-8B1A-7DF615B22EEF}" type="slidenum">
+            <a:fld id="{B6F15528-21DE-4FAA-801E-634DDDAF4B2B}" type="slidenum">
               <a:rPr lang="en-US" smtClean="0"/>
               <a:pPr/>
               <a:t>‹#›</a:t>
@@ -3519,11 +2340,256 @@
         </p:txBody>
       </p:sp>
     </p:spTree>
-    <p:extLst>
-      <p:ext uri="{BB962C8B-B14F-4D97-AF65-F5344CB8AC3E}">
-        <p14:creationId xmlns:p14="http://schemas.microsoft.com/office/powerpoint/2010/main" val="3174452648"/>
-      </p:ext>
-    </p:extLst>
+  </p:cSld>
+  <p:clrMapOvr>
+    <a:masterClrMapping/>
+  </p:clrMapOvr>
+</p:sldLayout>
+</file>
+
+<file path=ppt/slideLayouts/slideLayout9.xml><?xml version="1.0" encoding="utf-8"?>
+<p:sldLayout xmlns:a="http://schemas.openxmlformats.org/drawingml/2006/main" xmlns:r="http://schemas.openxmlformats.org/officeDocument/2006/relationships" xmlns:p="http://schemas.openxmlformats.org/presentationml/2006/main" type="picTx" preserve="1">
+  <p:cSld name="Picture with Caption">
+    <p:spTree>
+      <p:nvGrpSpPr>
+        <p:cNvPr id="1" name=""/>
+        <p:cNvGrpSpPr/>
+        <p:nvPr/>
+      </p:nvGrpSpPr>
+      <p:grpSpPr>
+        <a:xfrm>
+          <a:off x="0" y="0"/>
+          <a:ext cx="0" cy="0"/>
+          <a:chOff x="0" y="0"/>
+          <a:chExt cx="0" cy="0"/>
+        </a:xfrm>
+      </p:grpSpPr>
+      <p:sp>
+        <p:nvSpPr>
+          <p:cNvPr id="2" name="Title 1"/>
+          <p:cNvSpPr>
+            <a:spLocks noGrp="1"/>
+          </p:cNvSpPr>
+          <p:nvPr>
+            <p:ph type="title"/>
+          </p:nvPr>
+        </p:nvSpPr>
+        <p:spPr>
+          <a:xfrm>
+            <a:off x="1792288" y="4800600"/>
+            <a:ext cx="5486400" cy="566738"/>
+          </a:xfrm>
+        </p:spPr>
+        <p:txBody>
+          <a:bodyPr anchor="b"/>
+          <a:lstStyle>
+            <a:lvl1pPr algn="l">
+              <a:defRPr sz="2000" b="1"/>
+            </a:lvl1pPr>
+          </a:lstStyle>
+          <a:p>
+            <a:r>
+              <a:rPr lang="en-US" smtClean="0"/>
+              <a:t>Click to edit Master title style</a:t>
+            </a:r>
+            <a:endParaRPr lang="en-US"/>
+          </a:p>
+        </p:txBody>
+      </p:sp>
+      <p:sp>
+        <p:nvSpPr>
+          <p:cNvPr id="3" name="Picture Placeholder 2"/>
+          <p:cNvSpPr>
+            <a:spLocks noGrp="1"/>
+          </p:cNvSpPr>
+          <p:nvPr>
+            <p:ph type="pic" idx="1"/>
+          </p:nvPr>
+        </p:nvSpPr>
+        <p:spPr>
+          <a:xfrm>
+            <a:off x="1792288" y="612775"/>
+            <a:ext cx="5486400" cy="4114800"/>
+          </a:xfrm>
+        </p:spPr>
+        <p:txBody>
+          <a:bodyPr/>
+          <a:lstStyle>
+            <a:lvl1pPr marL="0" indent="0">
+              <a:buNone/>
+              <a:defRPr sz="3200"/>
+            </a:lvl1pPr>
+            <a:lvl2pPr marL="457200" indent="0">
+              <a:buNone/>
+              <a:defRPr sz="2800"/>
+            </a:lvl2pPr>
+            <a:lvl3pPr marL="914400" indent="0">
+              <a:buNone/>
+              <a:defRPr sz="2400"/>
+            </a:lvl3pPr>
+            <a:lvl4pPr marL="1371600" indent="0">
+              <a:buNone/>
+              <a:defRPr sz="2000"/>
+            </a:lvl4pPr>
+            <a:lvl5pPr marL="1828800" indent="0">
+              <a:buNone/>
+              <a:defRPr sz="2000"/>
+            </a:lvl5pPr>
+            <a:lvl6pPr marL="2286000" indent="0">
+              <a:buNone/>
+              <a:defRPr sz="2000"/>
+            </a:lvl6pPr>
+            <a:lvl7pPr marL="2743200" indent="0">
+              <a:buNone/>
+              <a:defRPr sz="2000"/>
+            </a:lvl7pPr>
+            <a:lvl8pPr marL="3200400" indent="0">
+              <a:buNone/>
+              <a:defRPr sz="2000"/>
+            </a:lvl8pPr>
+            <a:lvl9pPr marL="3657600" indent="0">
+              <a:buNone/>
+              <a:defRPr sz="2000"/>
+            </a:lvl9pPr>
+          </a:lstStyle>
+          <a:p>
+            <a:endParaRPr lang="en-US"/>
+          </a:p>
+        </p:txBody>
+      </p:sp>
+      <p:sp>
+        <p:nvSpPr>
+          <p:cNvPr id="4" name="Text Placeholder 3"/>
+          <p:cNvSpPr>
+            <a:spLocks noGrp="1"/>
+          </p:cNvSpPr>
+          <p:nvPr>
+            <p:ph type="body" sz="half" idx="2"/>
+          </p:nvPr>
+        </p:nvSpPr>
+        <p:spPr>
+          <a:xfrm>
+            <a:off x="1792288" y="5367338"/>
+            <a:ext cx="5486400" cy="804862"/>
+          </a:xfrm>
+        </p:spPr>
+        <p:txBody>
+          <a:bodyPr/>
+          <a:lstStyle>
+            <a:lvl1pPr marL="0" indent="0">
+              <a:buNone/>
+              <a:defRPr sz="1400"/>
+            </a:lvl1pPr>
+            <a:lvl2pPr marL="457200" indent="0">
+              <a:buNone/>
+              <a:defRPr sz="1200"/>
+            </a:lvl2pPr>
+            <a:lvl3pPr marL="914400" indent="0">
+              <a:buNone/>
+              <a:defRPr sz="1000"/>
+            </a:lvl3pPr>
+            <a:lvl4pPr marL="1371600" indent="0">
+              <a:buNone/>
+              <a:defRPr sz="900"/>
+            </a:lvl4pPr>
+            <a:lvl5pPr marL="1828800" indent="0">
+              <a:buNone/>
+              <a:defRPr sz="900"/>
+            </a:lvl5pPr>
+            <a:lvl6pPr marL="2286000" indent="0">
+              <a:buNone/>
+              <a:defRPr sz="900"/>
+            </a:lvl6pPr>
+            <a:lvl7pPr marL="2743200" indent="0">
+              <a:buNone/>
+              <a:defRPr sz="900"/>
+            </a:lvl7pPr>
+            <a:lvl8pPr marL="3200400" indent="0">
+              <a:buNone/>
+              <a:defRPr sz="900"/>
+            </a:lvl8pPr>
+            <a:lvl9pPr marL="3657600" indent="0">
+              <a:buNone/>
+              <a:defRPr sz="900"/>
+            </a:lvl9pPr>
+          </a:lstStyle>
+          <a:p>
+            <a:pPr lvl="0"/>
+            <a:r>
+              <a:rPr lang="en-US" smtClean="0"/>
+              <a:t>Click to edit Master text styles</a:t>
+            </a:r>
+          </a:p>
+        </p:txBody>
+      </p:sp>
+      <p:sp>
+        <p:nvSpPr>
+          <p:cNvPr id="5" name="Date Placeholder 4"/>
+          <p:cNvSpPr>
+            <a:spLocks noGrp="1"/>
+          </p:cNvSpPr>
+          <p:nvPr>
+            <p:ph type="dt" sz="half" idx="10"/>
+          </p:nvPr>
+        </p:nvSpPr>
+        <p:spPr/>
+        <p:txBody>
+          <a:bodyPr/>
+          <a:lstStyle/>
+          <a:p>
+            <a:fld id="{1D8BD707-D9CF-40AE-B4C6-C98DA3205C09}" type="datetimeFigureOut">
+              <a:rPr lang="en-US" smtClean="0"/>
+              <a:pPr/>
+              <a:t>8/1/2011</a:t>
+            </a:fld>
+            <a:endParaRPr lang="en-US"/>
+          </a:p>
+        </p:txBody>
+      </p:sp>
+      <p:sp>
+        <p:nvSpPr>
+          <p:cNvPr id="6" name="Footer Placeholder 5"/>
+          <p:cNvSpPr>
+            <a:spLocks noGrp="1"/>
+          </p:cNvSpPr>
+          <p:nvPr>
+            <p:ph type="ftr" sz="quarter" idx="11"/>
+          </p:nvPr>
+        </p:nvSpPr>
+        <p:spPr/>
+        <p:txBody>
+          <a:bodyPr/>
+          <a:lstStyle/>
+          <a:p>
+            <a:endParaRPr lang="en-US"/>
+          </a:p>
+        </p:txBody>
+      </p:sp>
+      <p:sp>
+        <p:nvSpPr>
+          <p:cNvPr id="7" name="Slide Number Placeholder 6"/>
+          <p:cNvSpPr>
+            <a:spLocks noGrp="1"/>
+          </p:cNvSpPr>
+          <p:nvPr>
+            <p:ph type="sldNum" sz="quarter" idx="12"/>
+          </p:nvPr>
+        </p:nvSpPr>
+        <p:spPr/>
+        <p:txBody>
+          <a:bodyPr/>
+          <a:lstStyle/>
+          <a:p>
+            <a:fld id="{B6F15528-21DE-4FAA-801E-634DDDAF4B2B}" type="slidenum">
+              <a:rPr lang="en-US" smtClean="0"/>
+              <a:pPr/>
+              <a:t>‹#›</a:t>
+            </a:fld>
+            <a:endParaRPr lang="en-US"/>
+          </a:p>
+        </p:txBody>
+      </p:sp>
+    </p:spTree>
   </p:cSld>
   <p:clrMapOvr>
     <a:masterClrMapping/>
@@ -3535,18 +2601,9 @@
 <p:sldMaster xmlns:a="http://schemas.openxmlformats.org/drawingml/2006/main" xmlns:r="http://schemas.openxmlformats.org/officeDocument/2006/relationships" xmlns:p="http://schemas.openxmlformats.org/presentationml/2006/main">
   <p:cSld>
     <p:bg>
-      <p:bgPr>
-        <a:blipFill dpi="0" rotWithShape="1">
-          <a:blip r:embed="rId14">
-            <a:lum/>
-          </a:blip>
-          <a:srcRect/>
-          <a:stretch>
-            <a:fillRect l="-16000" r="-15000"/>
-          </a:stretch>
-        </a:blipFill>
-        <a:effectLst/>
-      </p:bgPr>
+      <p:bgRef idx="1001">
+        <a:schemeClr val="bg1"/>
+      </p:bgRef>
     </p:bg>
     <p:spTree>
       <p:nvGrpSpPr>
@@ -3574,7 +2631,7 @@
         </p:nvSpPr>
         <p:spPr>
           <a:xfrm>
-            <a:off x="457200" y="274639"/>
+            <a:off x="457200" y="274638"/>
             <a:ext cx="8229600" cy="1143000"/>
           </a:xfrm>
           <a:prstGeom prst="rect">
@@ -3588,9 +2645,10 @@
           <a:lstStyle/>
           <a:p>
             <a:r>
-              <a:rPr lang="en-US"/>
+              <a:rPr lang="en-US" smtClean="0"/>
               <a:t>Click to edit Master title style</a:t>
             </a:r>
+            <a:endParaRPr lang="en-US"/>
           </a:p>
         </p:txBody>
       </p:sp>
@@ -3606,7 +2664,7 @@
         </p:nvSpPr>
         <p:spPr>
           <a:xfrm>
-            <a:off x="457200" y="1600201"/>
+            <a:off x="457200" y="1600200"/>
             <a:ext cx="8229600" cy="4525963"/>
           </a:xfrm>
           <a:prstGeom prst="rect">
@@ -3621,37 +2679,38 @@
           <a:p>
             <a:pPr lvl="0"/>
             <a:r>
-              <a:rPr lang="en-US"/>
+              <a:rPr lang="en-US" smtClean="0"/>
               <a:t>Click to edit Master text styles</a:t>
             </a:r>
           </a:p>
           <a:p>
             <a:pPr lvl="1"/>
             <a:r>
-              <a:rPr lang="en-US"/>
+              <a:rPr lang="en-US" smtClean="0"/>
               <a:t>Second level</a:t>
             </a:r>
           </a:p>
           <a:p>
             <a:pPr lvl="2"/>
             <a:r>
-              <a:rPr lang="en-US"/>
+              <a:rPr lang="en-US" smtClean="0"/>
               <a:t>Third level</a:t>
             </a:r>
           </a:p>
           <a:p>
             <a:pPr lvl="3"/>
             <a:r>
-              <a:rPr lang="en-US"/>
+              <a:rPr lang="en-US" smtClean="0"/>
               <a:t>Fourth level</a:t>
             </a:r>
           </a:p>
           <a:p>
             <a:pPr lvl="4"/>
             <a:r>
-              <a:rPr lang="en-US"/>
+              <a:rPr lang="en-US" smtClean="0"/>
               <a:t>Fifth level</a:t>
             </a:r>
+            <a:endParaRPr lang="en-US"/>
           </a:p>
         </p:txBody>
       </p:sp>
@@ -3667,7 +2726,7 @@
         </p:nvSpPr>
         <p:spPr>
           <a:xfrm>
-            <a:off x="457200" y="6356351"/>
+            <a:off x="457200" y="6356350"/>
             <a:ext cx="2133600" cy="365125"/>
           </a:xfrm>
           <a:prstGeom prst="rect">
@@ -3688,10 +2747,10 @@
             </a:lvl1pPr>
           </a:lstStyle>
           <a:p>
-            <a:fld id="{53074F12-AA26-4AC8-9962-C36BB8F32554}" type="datetimeFigureOut">
+            <a:fld id="{1D8BD707-D9CF-40AE-B4C6-C98DA3205C09}" type="datetimeFigureOut">
               <a:rPr lang="en-US" smtClean="0"/>
               <a:pPr/>
-              <a:t>8/13/2018</a:t>
+              <a:t>8/1/2011</a:t>
             </a:fld>
             <a:endParaRPr lang="en-US"/>
           </a:p>
@@ -3709,7 +2768,7 @@
         </p:nvSpPr>
         <p:spPr>
           <a:xfrm>
-            <a:off x="3124200" y="6356351"/>
+            <a:off x="3124200" y="6356350"/>
             <a:ext cx="2895600" cy="365125"/>
           </a:xfrm>
           <a:prstGeom prst="rect">
@@ -3746,7 +2805,7 @@
         </p:nvSpPr>
         <p:spPr>
           <a:xfrm>
-            <a:off x="6553200" y="6356351"/>
+            <a:off x="6553200" y="6356350"/>
             <a:ext cx="2133600" cy="365125"/>
           </a:xfrm>
           <a:prstGeom prst="rect">
@@ -3767,7 +2826,7 @@
             </a:lvl1pPr>
           </a:lstStyle>
           <a:p>
-            <a:fld id="{B82CCC60-E8CD-4174-8B1A-7DF615B22EEF}" type="slidenum">
+            <a:fld id="{B6F15528-21DE-4FAA-801E-634DDDAF4B2B}" type="slidenum">
               <a:rPr lang="en-US" smtClean="0"/>
               <a:pPr/>
               <a:t>‹#›</a:t>
@@ -3776,80 +2835,21 @@
           </a:p>
         </p:txBody>
       </p:sp>
-      <p:sp>
-        <p:nvSpPr>
-          <p:cNvPr id="7" name="TextBox 6">
-            <a:extLst>
-              <a:ext uri="{FF2B5EF4-FFF2-40B4-BE49-F238E27FC236}">
-                <a16:creationId xmlns="" xmlns:a16="http://schemas.microsoft.com/office/drawing/2014/main" id="{11E867DF-3DCA-4725-94F0-F2B6BD747A82}"/>
-              </a:ext>
-            </a:extLst>
-          </p:cNvPr>
-          <p:cNvSpPr txBox="1"/>
-          <p:nvPr userDrawn="1"/>
-        </p:nvSpPr>
-        <p:spPr>
-          <a:xfrm>
-            <a:off x="-9150" y="6951663"/>
-            <a:ext cx="8389625" cy="523220"/>
-          </a:xfrm>
-          <a:prstGeom prst="rect">
-            <a:avLst/>
-          </a:prstGeom>
-          <a:noFill/>
-        </p:spPr>
-        <p:txBody>
-          <a:bodyPr wrap="square" rtlCol="0">
-            <a:spAutoFit/>
-          </a:bodyPr>
-          <a:lstStyle/>
-          <a:p>
-            <a:r>
-              <a:rPr lang="en-US" sz="1400" dirty="0">
-                <a:solidFill>
-                  <a:schemeClr val="bg1">
-                    <a:lumMod val="65000"/>
-                  </a:schemeClr>
-                </a:solidFill>
-              </a:rPr>
-              <a:t>This presentation uses a free template provided by FPPT.com</a:t>
-            </a:r>
-          </a:p>
-          <a:p>
-            <a:r>
-              <a:rPr lang="en-US" sz="1400" dirty="0">
-                <a:solidFill>
-                  <a:schemeClr val="bg1">
-                    <a:lumMod val="65000"/>
-                  </a:schemeClr>
-                </a:solidFill>
-              </a:rPr>
-              <a:t>www.free-power-point-templates.com</a:t>
-            </a:r>
-          </a:p>
-        </p:txBody>
-      </p:sp>
     </p:spTree>
-    <p:extLst>
-      <p:ext uri="{BB962C8B-B14F-4D97-AF65-F5344CB8AC3E}">
-        <p14:creationId xmlns:p14="http://schemas.microsoft.com/office/powerpoint/2010/main" val="1944039382"/>
-      </p:ext>
-    </p:extLst>
   </p:cSld>
   <p:clrMap bg1="lt1" tx1="dk1" bg2="lt2" tx2="dk2" accent1="accent1" accent2="accent2" accent3="accent3" accent4="accent4" accent5="accent5" accent6="accent6" hlink="hlink" folHlink="folHlink"/>
   <p:sldLayoutIdLst>
     <p:sldLayoutId id="2147483649" r:id="rId1"/>
     <p:sldLayoutId id="2147483650" r:id="rId2"/>
-    <p:sldLayoutId id="2147483660" r:id="rId3"/>
-    <p:sldLayoutId id="2147483651" r:id="rId4"/>
-    <p:sldLayoutId id="2147483652" r:id="rId5"/>
-    <p:sldLayoutId id="2147483653" r:id="rId6"/>
-    <p:sldLayoutId id="2147483654" r:id="rId7"/>
-    <p:sldLayoutId id="2147483655" r:id="rId8"/>
-    <p:sldLayoutId id="2147483656" r:id="rId9"/>
-    <p:sldLayoutId id="2147483657" r:id="rId10"/>
-    <p:sldLayoutId id="2147483658" r:id="rId11"/>
-    <p:sldLayoutId id="2147483659" r:id="rId12"/>
+    <p:sldLayoutId id="2147483651" r:id="rId3"/>
+    <p:sldLayoutId id="2147483652" r:id="rId4"/>
+    <p:sldLayoutId id="2147483653" r:id="rId5"/>
+    <p:sldLayoutId id="2147483654" r:id="rId6"/>
+    <p:sldLayoutId id="2147483655" r:id="rId7"/>
+    <p:sldLayoutId id="2147483656" r:id="rId8"/>
+    <p:sldLayoutId id="2147483657" r:id="rId9"/>
+    <p:sldLayoutId id="2147483658" r:id="rId10"/>
+    <p:sldLayoutId id="2147483659" r:id="rId11"/>
   </p:sldLayoutIdLst>
   <p:txStyles>
     <p:titleStyle>
@@ -4105,7 +3105,7 @@
 </file>
 
 <file path=ppt/slides/slide1.xml><?xml version="1.0" encoding="utf-8"?>
-<p:sld xmlns:a="http://schemas.openxmlformats.org/drawingml/2006/main" xmlns:r="http://schemas.openxmlformats.org/officeDocument/2006/relationships" xmlns:p="http://schemas.openxmlformats.org/presentationml/2006/main">
+<p:sld xmlns:p="http://schemas.openxmlformats.org/presentationml/2006/main" xmlns:a="http://schemas.openxmlformats.org/drawingml/2006/main" xmlns:r="http://schemas.openxmlformats.org/officeDocument/2006/relationships">
   <p:cSld>
     <p:spTree>
       <p:nvGrpSpPr>
@@ -4123,519 +3123,505 @@
       </p:grpSpPr>
       <p:sp>
         <p:nvSpPr>
-          <p:cNvPr id="2" name="Title 1"/>
-          <p:cNvSpPr>
-            <a:spLocks noGrp="1"/>
-          </p:cNvSpPr>
-          <p:nvPr>
-            <p:ph type="ctrTitle"/>
-          </p:nvPr>
-        </p:nvSpPr>
-        <p:spPr/>
-        <p:txBody>
-          <a:bodyPr/>
-          <a:lstStyle/>
-          <a:p>
-            <a:r>
-              <a:rPr lang="en-US" smtClean="0"/>
-              <a:t>Click to edit </a:t>
-            </a:r>
-            <a:br>
-              <a:rPr lang="en-US" smtClean="0"/>
-            </a:br>
-            <a:r>
-              <a:rPr lang="en-US" smtClean="0"/>
-              <a:t>Master title style</a:t>
-            </a:r>
-            <a:endParaRPr lang="en-US" dirty="0"/>
-          </a:p>
-        </p:txBody>
-      </p:sp>
-      <p:sp>
-        <p:nvSpPr>
-          <p:cNvPr id="3" name="Subtitle 2"/>
-          <p:cNvSpPr>
-            <a:spLocks noGrp="1"/>
-          </p:cNvSpPr>
-          <p:nvPr>
-            <p:ph type="subTitle" idx="1"/>
-          </p:nvPr>
-        </p:nvSpPr>
-        <p:spPr/>
-        <p:txBody>
-          <a:bodyPr/>
-          <a:lstStyle/>
-          <a:p>
-            <a:r>
-              <a:rPr lang="en-US" smtClean="0"/>
-              <a:t>FPPT.com</a:t>
-            </a:r>
-            <a:endParaRPr lang="en-US" dirty="0"/>
-          </a:p>
-        </p:txBody>
-      </p:sp>
-    </p:spTree>
-    <p:extLst>
-      <p:ext uri="{BB962C8B-B14F-4D97-AF65-F5344CB8AC3E}">
-        <p14:creationId xmlns:p14="http://schemas.microsoft.com/office/powerpoint/2010/main" val="363920370"/>
-      </p:ext>
-    </p:extLst>
-  </p:cSld>
-  <p:clrMapOvr>
-    <a:masterClrMapping/>
-  </p:clrMapOvr>
-</p:sld>
-</file>
-
-<file path=ppt/slides/slide2.xml><?xml version="1.0" encoding="utf-8"?>
-<p:sld xmlns:a="http://schemas.openxmlformats.org/drawingml/2006/main" xmlns:r="http://schemas.openxmlformats.org/officeDocument/2006/relationships" xmlns:p="http://schemas.openxmlformats.org/presentationml/2006/main">
-  <p:cSld>
-    <p:spTree>
-      <p:nvGrpSpPr>
-        <p:cNvPr id="1" name=""/>
-        <p:cNvGrpSpPr/>
-        <p:nvPr/>
-      </p:nvGrpSpPr>
-      <p:grpSpPr>
-        <a:xfrm>
-          <a:off x="0" y="0"/>
-          <a:ext cx="0" cy="0"/>
-          <a:chOff x="0" y="0"/>
-          <a:chExt cx="0" cy="0"/>
-        </a:xfrm>
-      </p:grpSpPr>
-      <p:sp>
-        <p:nvSpPr>
-          <p:cNvPr id="2" name="Title 1"/>
-          <p:cNvSpPr>
-            <a:spLocks noGrp="1"/>
-          </p:cNvSpPr>
-          <p:nvPr>
-            <p:ph type="title"/>
-          </p:nvPr>
-        </p:nvSpPr>
-        <p:spPr/>
-        <p:txBody>
-          <a:bodyPr/>
-          <a:lstStyle/>
-          <a:p>
-            <a:r>
-              <a:rPr lang="en-US" smtClean="0"/>
-              <a:t>Slide Title</a:t>
-            </a:r>
-            <a:endParaRPr lang="en-US" dirty="0"/>
-          </a:p>
-        </p:txBody>
-      </p:sp>
-      <p:sp>
-        <p:nvSpPr>
-          <p:cNvPr id="3" name="Content Placeholder 2"/>
-          <p:cNvSpPr>
-            <a:spLocks noGrp="1"/>
-          </p:cNvSpPr>
-          <p:nvPr>
-            <p:ph idx="1"/>
-          </p:nvPr>
-        </p:nvSpPr>
-        <p:spPr/>
-        <p:txBody>
-          <a:bodyPr/>
-          <a:lstStyle/>
-          <a:p>
-            <a:r>
-              <a:rPr lang="en-US" smtClean="0"/>
-              <a:t>Make Effective Presentations</a:t>
-            </a:r>
-          </a:p>
-          <a:p>
-            <a:r>
-              <a:rPr lang="en-US" smtClean="0"/>
-              <a:t>Using Awesome Backgrounds</a:t>
-            </a:r>
-          </a:p>
-          <a:p>
-            <a:r>
-              <a:rPr lang="en-US" smtClean="0"/>
-              <a:t>Engage your Audience</a:t>
-            </a:r>
-          </a:p>
-          <a:p>
-            <a:r>
-              <a:rPr lang="en-US" smtClean="0"/>
-              <a:t>Capture Audience Attention</a:t>
-            </a:r>
-          </a:p>
-          <a:p>
-            <a:endParaRPr lang="en-US" smtClean="0"/>
-          </a:p>
-          <a:p>
-            <a:endParaRPr lang="en-US" dirty="0"/>
-          </a:p>
-        </p:txBody>
-      </p:sp>
-    </p:spTree>
-    <p:extLst>
-      <p:ext uri="{BB962C8B-B14F-4D97-AF65-F5344CB8AC3E}">
-        <p14:creationId xmlns:p14="http://schemas.microsoft.com/office/powerpoint/2010/main" val="4103309497"/>
-      </p:ext>
-    </p:extLst>
-  </p:cSld>
-  <p:clrMapOvr>
-    <a:masterClrMapping/>
-  </p:clrMapOvr>
-</p:sld>
-</file>
-
-<file path=ppt/slides/slide3.xml><?xml version="1.0" encoding="utf-8"?>
-<p:sld xmlns:a="http://schemas.openxmlformats.org/drawingml/2006/main" xmlns:r="http://schemas.openxmlformats.org/officeDocument/2006/relationships" xmlns:p="http://schemas.openxmlformats.org/presentationml/2006/main">
-  <p:cSld>
-    <p:spTree>
-      <p:nvGrpSpPr>
-        <p:cNvPr id="1" name=""/>
-        <p:cNvGrpSpPr/>
-        <p:nvPr/>
-      </p:nvGrpSpPr>
-      <p:grpSpPr>
-        <a:xfrm>
-          <a:off x="0" y="0"/>
-          <a:ext cx="0" cy="0"/>
-          <a:chOff x="0" y="0"/>
-          <a:chExt cx="0" cy="0"/>
-        </a:xfrm>
-      </p:grpSpPr>
-      <p:sp>
-        <p:nvSpPr>
-          <p:cNvPr id="4" name="Title 3"/>
-          <p:cNvSpPr>
-            <a:spLocks noGrp="1"/>
-          </p:cNvSpPr>
-          <p:nvPr>
-            <p:ph type="title"/>
-          </p:nvPr>
-        </p:nvSpPr>
-        <p:spPr/>
-        <p:txBody>
-          <a:bodyPr/>
-          <a:lstStyle/>
-          <a:p>
-            <a:r>
-              <a:rPr lang="en-US" smtClean="0"/>
-              <a:t>Slide Title</a:t>
-            </a:r>
-            <a:endParaRPr lang="en-US" dirty="0"/>
-          </a:p>
-        </p:txBody>
-      </p:sp>
-      <p:sp>
-        <p:nvSpPr>
-          <p:cNvPr id="5" name="Content Placeholder 4"/>
-          <p:cNvSpPr>
-            <a:spLocks noGrp="1"/>
-          </p:cNvSpPr>
-          <p:nvPr>
-            <p:ph idx="1"/>
-          </p:nvPr>
-        </p:nvSpPr>
-        <p:spPr/>
-        <p:txBody>
-          <a:bodyPr/>
-          <a:lstStyle/>
-          <a:p>
-            <a:r>
-              <a:rPr lang="en-US" smtClean="0"/>
-              <a:t>Make Effective Presentations</a:t>
-            </a:r>
-          </a:p>
-          <a:p>
-            <a:r>
-              <a:rPr lang="en-US" smtClean="0"/>
-              <a:t>Using Awesome Backgrounds</a:t>
-            </a:r>
-          </a:p>
-          <a:p>
-            <a:r>
-              <a:rPr lang="en-US" smtClean="0"/>
-              <a:t>Engage your Audience</a:t>
-            </a:r>
-          </a:p>
-          <a:p>
-            <a:r>
-              <a:rPr lang="en-US" smtClean="0"/>
-              <a:t>Capture Audience Attention</a:t>
-            </a:r>
-            <a:endParaRPr lang="en-US" dirty="0"/>
-          </a:p>
-        </p:txBody>
-      </p:sp>
-    </p:spTree>
-    <p:extLst>
-      <p:ext uri="{BB962C8B-B14F-4D97-AF65-F5344CB8AC3E}">
-        <p14:creationId xmlns:p14="http://schemas.microsoft.com/office/powerpoint/2010/main" val="1101633878"/>
-      </p:ext>
-    </p:extLst>
-  </p:cSld>
-  <p:clrMapOvr>
-    <a:masterClrMapping/>
-  </p:clrMapOvr>
-</p:sld>
-</file>
-
-<file path=ppt/slides/slide4.xml><?xml version="1.0" encoding="utf-8"?>
-<p:sld xmlns:a="http://schemas.openxmlformats.org/drawingml/2006/main" xmlns:r="http://schemas.openxmlformats.org/officeDocument/2006/relationships" xmlns:p="http://schemas.openxmlformats.org/presentationml/2006/main">
-  <p:cSld>
-    <p:spTree>
-      <p:nvGrpSpPr>
-        <p:cNvPr id="1" name=""/>
-        <p:cNvGrpSpPr/>
-        <p:nvPr/>
-      </p:nvGrpSpPr>
-      <p:grpSpPr>
-        <a:xfrm>
-          <a:off x="0" y="0"/>
-          <a:ext cx="0" cy="0"/>
-          <a:chOff x="0" y="0"/>
-          <a:chExt cx="0" cy="0"/>
-        </a:xfrm>
-      </p:grpSpPr>
-      <p:sp>
-        <p:nvSpPr>
-          <p:cNvPr id="4" name="Title 3"/>
-          <p:cNvSpPr>
-            <a:spLocks noGrp="1"/>
-          </p:cNvSpPr>
-          <p:nvPr>
-            <p:ph type="title"/>
-          </p:nvPr>
-        </p:nvSpPr>
-        <p:spPr/>
-        <p:txBody>
-          <a:bodyPr/>
-          <a:lstStyle/>
-          <a:p>
-            <a:r>
-              <a:rPr lang="en-US" smtClean="0"/>
-              <a:t>Slide Title</a:t>
-            </a:r>
-            <a:endParaRPr lang="en-US" dirty="0"/>
-          </a:p>
-        </p:txBody>
-      </p:sp>
-      <p:sp>
-        <p:nvSpPr>
-          <p:cNvPr id="5" name="Text Placeholder 4"/>
-          <p:cNvSpPr>
-            <a:spLocks noGrp="1"/>
-          </p:cNvSpPr>
-          <p:nvPr>
-            <p:ph type="body" idx="1"/>
-          </p:nvPr>
-        </p:nvSpPr>
-        <p:spPr/>
-        <p:txBody>
-          <a:bodyPr/>
-          <a:lstStyle/>
-          <a:p>
-            <a:r>
-              <a:rPr lang="en-US" smtClean="0"/>
-              <a:t>Product A</a:t>
-            </a:r>
-            <a:endParaRPr lang="en-US" dirty="0"/>
-          </a:p>
-        </p:txBody>
-      </p:sp>
-      <p:sp>
-        <p:nvSpPr>
-          <p:cNvPr id="6" name="Content Placeholder 5"/>
-          <p:cNvSpPr>
-            <a:spLocks noGrp="1"/>
-          </p:cNvSpPr>
-          <p:nvPr>
-            <p:ph sz="half" idx="2"/>
-          </p:nvPr>
-        </p:nvSpPr>
-        <p:spPr/>
-        <p:txBody>
-          <a:bodyPr/>
-          <a:lstStyle/>
-          <a:p>
-            <a:r>
-              <a:rPr lang="en-US" smtClean="0"/>
-              <a:t>Feature 1</a:t>
-            </a:r>
-          </a:p>
-          <a:p>
-            <a:r>
-              <a:rPr lang="en-US" smtClean="0"/>
-              <a:t>Feature 2</a:t>
-            </a:r>
-          </a:p>
-          <a:p>
-            <a:r>
-              <a:rPr lang="en-US" smtClean="0"/>
-              <a:t>Feature 3</a:t>
-            </a:r>
-            <a:endParaRPr lang="en-US" dirty="0"/>
-          </a:p>
-        </p:txBody>
-      </p:sp>
-      <p:sp>
-        <p:nvSpPr>
-          <p:cNvPr id="7" name="Text Placeholder 6"/>
-          <p:cNvSpPr>
-            <a:spLocks noGrp="1"/>
-          </p:cNvSpPr>
-          <p:nvPr>
-            <p:ph type="body" sz="quarter" idx="3"/>
-          </p:nvPr>
-        </p:nvSpPr>
-        <p:spPr/>
-        <p:txBody>
-          <a:bodyPr/>
-          <a:lstStyle/>
-          <a:p>
-            <a:r>
-              <a:rPr lang="en-US" smtClean="0"/>
-              <a:t>Product B</a:t>
-            </a:r>
-            <a:endParaRPr lang="en-US"/>
-          </a:p>
-        </p:txBody>
-      </p:sp>
-      <p:sp>
-        <p:nvSpPr>
-          <p:cNvPr id="8" name="Content Placeholder 7"/>
-          <p:cNvSpPr>
-            <a:spLocks noGrp="1"/>
-          </p:cNvSpPr>
-          <p:nvPr>
-            <p:ph sz="quarter" idx="4"/>
-          </p:nvPr>
-        </p:nvSpPr>
-        <p:spPr/>
-        <p:txBody>
-          <a:bodyPr/>
-          <a:lstStyle/>
-          <a:p>
-            <a:r>
-              <a:rPr lang="en-US" smtClean="0"/>
-              <a:t>Feature 1</a:t>
-            </a:r>
-          </a:p>
-          <a:p>
-            <a:r>
-              <a:rPr lang="en-US" smtClean="0"/>
-              <a:t>Feature 2</a:t>
-            </a:r>
-          </a:p>
-          <a:p>
-            <a:r>
-              <a:rPr lang="en-US" smtClean="0"/>
-              <a:t>Feature 3</a:t>
-            </a:r>
-            <a:endParaRPr lang="en-US"/>
-          </a:p>
-        </p:txBody>
-      </p:sp>
-    </p:spTree>
-    <p:extLst>
-      <p:ext uri="{BB962C8B-B14F-4D97-AF65-F5344CB8AC3E}">
-        <p14:creationId xmlns:p14="http://schemas.microsoft.com/office/powerpoint/2010/main" val="4170783713"/>
-      </p:ext>
-    </p:extLst>
-  </p:cSld>
-  <p:clrMapOvr>
-    <a:masterClrMapping/>
-  </p:clrMapOvr>
-</p:sld>
-</file>
-
-<file path=ppt/slides/slide5.xml><?xml version="1.0" encoding="utf-8"?>
-<p:sld xmlns:a="http://schemas.openxmlformats.org/drawingml/2006/main" xmlns:r="http://schemas.openxmlformats.org/officeDocument/2006/relationships" xmlns:p="http://schemas.openxmlformats.org/presentationml/2006/main">
-  <p:cSld>
-    <p:spTree>
-      <p:nvGrpSpPr>
-        <p:cNvPr id="1" name=""/>
-        <p:cNvGrpSpPr/>
-        <p:nvPr/>
-      </p:nvGrpSpPr>
-      <p:grpSpPr>
-        <a:xfrm>
-          <a:off x="0" y="0"/>
-          <a:ext cx="0" cy="0"/>
-          <a:chOff x="0" y="0"/>
-          <a:chExt cx="0" cy="0"/>
-        </a:xfrm>
-      </p:grpSpPr>
-      <p:pic>
-        <p:nvPicPr>
-          <p:cNvPr id="1026" name="Picture 2"/>
-          <p:cNvPicPr>
-            <a:picLocks noChangeAspect="1" noChangeArrowheads="1"/>
-          </p:cNvPicPr>
+          <p:cNvPr name="Freeform 2" id="2"/>
+          <p:cNvSpPr/>
           <p:nvPr/>
-        </p:nvPicPr>
-        <p:blipFill>
-          <a:blip r:embed="rId3">
-            <a:extLst>
-              <a:ext uri="{28A0092B-C50C-407E-A947-70E740481C1C}">
-                <a14:useLocalDpi xmlns:a14="http://schemas.microsoft.com/office/drawing/2010/main" val="0"/>
-              </a:ext>
-            </a:extLst>
-          </a:blip>
-          <a:srcRect/>
-          <a:stretch>
-            <a:fillRect/>
-          </a:stretch>
-        </p:blipFill>
-        <p:spPr bwMode="auto">
-          <a:xfrm>
-            <a:off x="3840163" y="3167063"/>
-            <a:ext cx="1463675" cy="523875"/>
+        </p:nvSpPr>
+        <p:spPr>
+          <a:xfrm flipH="false" flipV="false" rot="5400000">
+            <a:off x="4000500" y="-4000500"/>
+            <a:ext cx="10287000" cy="18288000"/>
+          </a:xfrm>
+          <a:custGeom>
+            <a:avLst/>
+            <a:gdLst/>
+            <a:ahLst/>
+            <a:cxnLst/>
+            <a:rect r="r" b="b" t="t" l="l"/>
+            <a:pathLst>
+              <a:path h="18288000" w="10287000">
+                <a:moveTo>
+                  <a:pt x="0" y="18288000"/>
+                </a:moveTo>
+                <a:lnTo>
+                  <a:pt x="0" y="0"/>
+                </a:lnTo>
+                <a:lnTo>
+                  <a:pt x="10287000" y="0"/>
+                </a:lnTo>
+                <a:lnTo>
+                  <a:pt x="10287000" y="18288000"/>
+                </a:lnTo>
+                <a:lnTo>
+                  <a:pt x="0" y="18288000"/>
+                </a:lnTo>
+                <a:close/>
+              </a:path>
+            </a:pathLst>
+          </a:custGeom>
+          <a:blipFill>
+            <a:blip r:embed="rId2">
+              <a:alphaModFix amt="40000"/>
+            </a:blip>
+            <a:stretch>
+              <a:fillRect l="-15444" t="0" r="-15444" b="0"/>
+            </a:stretch>
+          </a:blipFill>
+        </p:spPr>
+      </p:sp>
+      <p:sp>
+        <p:nvSpPr>
+          <p:cNvPr name="Freeform 3" id="3"/>
+          <p:cNvSpPr/>
+          <p:nvPr/>
+        </p:nvSpPr>
+        <p:spPr>
+          <a:xfrm flipH="false" flipV="false" rot="0">
+            <a:off x="-1611311" y="7240057"/>
+            <a:ext cx="4377447" cy="4114800"/>
+          </a:xfrm>
+          <a:custGeom>
+            <a:avLst/>
+            <a:gdLst/>
+            <a:ahLst/>
+            <a:cxnLst/>
+            <a:rect r="r" b="b" t="t" l="l"/>
+            <a:pathLst>
+              <a:path h="4114800" w="4377447">
+                <a:moveTo>
+                  <a:pt x="0" y="0"/>
+                </a:moveTo>
+                <a:lnTo>
+                  <a:pt x="4377447" y="0"/>
+                </a:lnTo>
+                <a:lnTo>
+                  <a:pt x="4377447" y="4114800"/>
+                </a:lnTo>
+                <a:lnTo>
+                  <a:pt x="0" y="4114800"/>
+                </a:lnTo>
+                <a:lnTo>
+                  <a:pt x="0" y="0"/>
+                </a:lnTo>
+                <a:close/>
+              </a:path>
+            </a:pathLst>
+          </a:custGeom>
+          <a:blipFill>
+            <a:blip r:embed="rId3">
+              <a:extLst>
+                <a:ext uri="{96DAC541-7B7A-43D3-8B79-37D633B846F1}">
+                  <asvg:svgBlip xmlns:asvg="http://schemas.microsoft.com/office/drawing/2016/SVG/main" r:embed="rId4"/>
+                </a:ext>
+              </a:extLst>
+            </a:blip>
+            <a:stretch>
+              <a:fillRect l="0" t="0" r="0" b="0"/>
+            </a:stretch>
+          </a:blipFill>
+        </p:spPr>
+      </p:sp>
+      <p:sp>
+        <p:nvSpPr>
+          <p:cNvPr name="Freeform 4" id="4"/>
+          <p:cNvSpPr/>
+          <p:nvPr/>
+        </p:nvSpPr>
+        <p:spPr>
+          <a:xfrm flipH="false" flipV="false" rot="-4768867">
+            <a:off x="15358434" y="-1552404"/>
+            <a:ext cx="3304707" cy="4808436"/>
+          </a:xfrm>
+          <a:custGeom>
+            <a:avLst/>
+            <a:gdLst/>
+            <a:ahLst/>
+            <a:cxnLst/>
+            <a:rect r="r" b="b" t="t" l="l"/>
+            <a:pathLst>
+              <a:path h="4808436" w="3304707">
+                <a:moveTo>
+                  <a:pt x="0" y="0"/>
+                </a:moveTo>
+                <a:lnTo>
+                  <a:pt x="3304706" y="0"/>
+                </a:lnTo>
+                <a:lnTo>
+                  <a:pt x="3304706" y="4808436"/>
+                </a:lnTo>
+                <a:lnTo>
+                  <a:pt x="0" y="4808436"/>
+                </a:lnTo>
+                <a:lnTo>
+                  <a:pt x="0" y="0"/>
+                </a:lnTo>
+                <a:close/>
+              </a:path>
+            </a:pathLst>
+          </a:custGeom>
+          <a:blipFill>
+            <a:blip r:embed="rId5">
+              <a:extLst>
+                <a:ext uri="{96DAC541-7B7A-43D3-8B79-37D633B846F1}">
+                  <asvg:svgBlip xmlns:asvg="http://schemas.microsoft.com/office/drawing/2016/SVG/main" r:embed="rId6"/>
+                </a:ext>
+              </a:extLst>
+            </a:blip>
+            <a:stretch>
+              <a:fillRect l="0" t="0" r="0" b="0"/>
+            </a:stretch>
+          </a:blipFill>
+        </p:spPr>
+      </p:sp>
+      <p:sp>
+        <p:nvSpPr>
+          <p:cNvPr name="Freeform 5" id="5"/>
+          <p:cNvSpPr/>
+          <p:nvPr/>
+        </p:nvSpPr>
+        <p:spPr>
+          <a:xfrm flipH="false" flipV="false" rot="0">
+            <a:off x="3411280" y="3957445"/>
+            <a:ext cx="1490848" cy="1633400"/>
+          </a:xfrm>
+          <a:custGeom>
+            <a:avLst/>
+            <a:gdLst/>
+            <a:ahLst/>
+            <a:cxnLst/>
+            <a:rect r="r" b="b" t="t" l="l"/>
+            <a:pathLst>
+              <a:path h="1633400" w="1490848">
+                <a:moveTo>
+                  <a:pt x="0" y="0"/>
+                </a:moveTo>
+                <a:lnTo>
+                  <a:pt x="1490848" y="0"/>
+                </a:lnTo>
+                <a:lnTo>
+                  <a:pt x="1490848" y="1633399"/>
+                </a:lnTo>
+                <a:lnTo>
+                  <a:pt x="0" y="1633399"/>
+                </a:lnTo>
+                <a:lnTo>
+                  <a:pt x="0" y="0"/>
+                </a:lnTo>
+                <a:close/>
+              </a:path>
+            </a:pathLst>
+          </a:custGeom>
+          <a:blipFill>
+            <a:blip r:embed="rId7">
+              <a:extLst>
+                <a:ext uri="{96DAC541-7B7A-43D3-8B79-37D633B846F1}">
+                  <asvg:svgBlip xmlns:asvg="http://schemas.microsoft.com/office/drawing/2016/SVG/main" r:embed="rId8"/>
+                </a:ext>
+              </a:extLst>
+            </a:blip>
+            <a:stretch>
+              <a:fillRect l="0" t="0" r="0" b="0"/>
+            </a:stretch>
+          </a:blipFill>
+        </p:spPr>
+      </p:sp>
+      <p:sp>
+        <p:nvSpPr>
+          <p:cNvPr name="Freeform 6" id="6"/>
+          <p:cNvSpPr/>
+          <p:nvPr/>
+        </p:nvSpPr>
+        <p:spPr>
+          <a:xfrm flipH="false" flipV="false" rot="0">
+            <a:off x="14632214" y="3046943"/>
+            <a:ext cx="1089628" cy="1193815"/>
+          </a:xfrm>
+          <a:custGeom>
+            <a:avLst/>
+            <a:gdLst/>
+            <a:ahLst/>
+            <a:cxnLst/>
+            <a:rect r="r" b="b" t="t" l="l"/>
+            <a:pathLst>
+              <a:path h="1193815" w="1089628">
+                <a:moveTo>
+                  <a:pt x="0" y="0"/>
+                </a:moveTo>
+                <a:lnTo>
+                  <a:pt x="1089628" y="0"/>
+                </a:lnTo>
+                <a:lnTo>
+                  <a:pt x="1089628" y="1193816"/>
+                </a:lnTo>
+                <a:lnTo>
+                  <a:pt x="0" y="1193816"/>
+                </a:lnTo>
+                <a:lnTo>
+                  <a:pt x="0" y="0"/>
+                </a:lnTo>
+                <a:close/>
+              </a:path>
+            </a:pathLst>
+          </a:custGeom>
+          <a:blipFill>
+            <a:blip r:embed="rId7">
+              <a:extLst>
+                <a:ext uri="{96DAC541-7B7A-43D3-8B79-37D633B846F1}">
+                  <asvg:svgBlip xmlns:asvg="http://schemas.microsoft.com/office/drawing/2016/SVG/main" r:embed="rId8"/>
+                </a:ext>
+              </a:extLst>
+            </a:blip>
+            <a:stretch>
+              <a:fillRect l="0" t="0" r="0" b="0"/>
+            </a:stretch>
+          </a:blipFill>
+        </p:spPr>
+      </p:sp>
+      <p:sp>
+        <p:nvSpPr>
+          <p:cNvPr name="Freeform 7" id="7"/>
+          <p:cNvSpPr/>
+          <p:nvPr/>
+        </p:nvSpPr>
+        <p:spPr>
+          <a:xfrm flipH="false" flipV="false" rot="0">
+            <a:off x="14632214" y="5959804"/>
+            <a:ext cx="4008847" cy="6028341"/>
+          </a:xfrm>
+          <a:custGeom>
+            <a:avLst/>
+            <a:gdLst/>
+            <a:ahLst/>
+            <a:cxnLst/>
+            <a:rect r="r" b="b" t="t" l="l"/>
+            <a:pathLst>
+              <a:path h="6028341" w="4008847">
+                <a:moveTo>
+                  <a:pt x="0" y="0"/>
+                </a:moveTo>
+                <a:lnTo>
+                  <a:pt x="4008846" y="0"/>
+                </a:lnTo>
+                <a:lnTo>
+                  <a:pt x="4008846" y="6028340"/>
+                </a:lnTo>
+                <a:lnTo>
+                  <a:pt x="0" y="6028340"/>
+                </a:lnTo>
+                <a:lnTo>
+                  <a:pt x="0" y="0"/>
+                </a:lnTo>
+                <a:close/>
+              </a:path>
+            </a:pathLst>
+          </a:custGeom>
+          <a:blipFill>
+            <a:blip r:embed="rId9"/>
+            <a:stretch>
+              <a:fillRect l="0" t="0" r="0" b="0"/>
+            </a:stretch>
+          </a:blipFill>
+        </p:spPr>
+      </p:sp>
+      <p:sp>
+        <p:nvSpPr>
+          <p:cNvPr name="Freeform 8" id="8"/>
+          <p:cNvSpPr/>
+          <p:nvPr/>
+        </p:nvSpPr>
+        <p:spPr>
+          <a:xfrm flipH="false" flipV="false" rot="6757336">
+            <a:off x="-2889477" y="1357402"/>
+            <a:ext cx="6696561" cy="1004484"/>
+          </a:xfrm>
+          <a:custGeom>
+            <a:avLst/>
+            <a:gdLst/>
+            <a:ahLst/>
+            <a:cxnLst/>
+            <a:rect r="r" b="b" t="t" l="l"/>
+            <a:pathLst>
+              <a:path h="1004484" w="6696561">
+                <a:moveTo>
+                  <a:pt x="0" y="0"/>
+                </a:moveTo>
+                <a:lnTo>
+                  <a:pt x="6696561" y="0"/>
+                </a:lnTo>
+                <a:lnTo>
+                  <a:pt x="6696561" y="1004484"/>
+                </a:lnTo>
+                <a:lnTo>
+                  <a:pt x="0" y="1004484"/>
+                </a:lnTo>
+                <a:lnTo>
+                  <a:pt x="0" y="0"/>
+                </a:lnTo>
+                <a:close/>
+              </a:path>
+            </a:pathLst>
+          </a:custGeom>
+          <a:blipFill>
+            <a:blip r:embed="rId10"/>
+            <a:stretch>
+              <a:fillRect l="0" t="0" r="0" b="0"/>
+            </a:stretch>
+          </a:blipFill>
+        </p:spPr>
+      </p:sp>
+      <p:sp>
+        <p:nvSpPr>
+          <p:cNvPr name="TextBox 9" id="9"/>
+          <p:cNvSpPr txBox="true"/>
+          <p:nvPr/>
+        </p:nvSpPr>
+        <p:spPr>
+          <a:xfrm rot="0">
+            <a:off x="8475121" y="398872"/>
+            <a:ext cx="1337758" cy="452942"/>
           </a:xfrm>
           <a:prstGeom prst="rect">
             <a:avLst/>
           </a:prstGeom>
-          <a:noFill/>
-          <a:ln>
-            <a:noFill/>
-          </a:ln>
-          <a:effectLst/>
-          <a:extLst>
-            <a:ext uri="{909E8E84-426E-40DD-AFC4-6F175D3DCCD1}">
-              <a14:hiddenFill xmlns:a14="http://schemas.microsoft.com/office/drawing/2010/main">
+        </p:spPr>
+        <p:txBody>
+          <a:bodyPr anchor="t" rtlCol="false" tIns="0" lIns="0" bIns="0" rIns="0">
+            <a:spAutoFit/>
+          </a:bodyPr>
+          <a:lstStyle/>
+          <a:p>
+            <a:pPr algn="ctr">
+              <a:lnSpc>
+                <a:spcPts val="3069"/>
+              </a:lnSpc>
+            </a:pPr>
+            <a:r>
+              <a:rPr lang="en-US" sz="2495">
                 <a:solidFill>
-                  <a:schemeClr val="accent1"/>
+                  <a:srgbClr val="323232"/>
                 </a:solidFill>
-              </a14:hiddenFill>
-            </a:ext>
-            <a:ext uri="{91240B29-F687-4F45-9708-019B960494DF}">
-              <a14:hiddenLine xmlns:a14="http://schemas.microsoft.com/office/drawing/2010/main" w="9525">
+                <a:latin typeface="Cooper Hewitt"/>
+              </a:rPr>
+              <a:t>2023</a:t>
+            </a:r>
+          </a:p>
+        </p:txBody>
+      </p:sp>
+      <p:sp>
+        <p:nvSpPr>
+          <p:cNvPr name="TextBox 10" id="10"/>
+          <p:cNvSpPr txBox="true"/>
+          <p:nvPr/>
+        </p:nvSpPr>
+        <p:spPr>
+          <a:xfrm rot="0">
+            <a:off x="6044688" y="2951693"/>
+            <a:ext cx="6198624" cy="1283910"/>
+          </a:xfrm>
+          <a:prstGeom prst="rect">
+            <a:avLst/>
+          </a:prstGeom>
+        </p:spPr>
+        <p:txBody>
+          <a:bodyPr anchor="t" rtlCol="false" tIns="0" lIns="0" bIns="0" rIns="0">
+            <a:spAutoFit/>
+          </a:bodyPr>
+          <a:lstStyle/>
+          <a:p>
+            <a:pPr algn="ctr">
+              <a:lnSpc>
+                <a:spcPts val="8079"/>
+              </a:lnSpc>
+            </a:pPr>
+            <a:r>
+              <a:rPr lang="en-US" sz="7844">
                 <a:solidFill>
-                  <a:schemeClr val="tx1"/>
+                  <a:srgbClr val="323232"/>
                 </a:solidFill>
-                <a:miter lim="800000"/>
-                <a:headEnd/>
-                <a:tailEnd/>
-              </a14:hiddenLine>
-            </a:ext>
-            <a:ext uri="{AF507438-7753-43E0-B8FC-AC1667EBCBE1}">
-              <a14:hiddenEffects xmlns:a14="http://schemas.microsoft.com/office/drawing/2010/main">
-                <a:effectLst>
-                  <a:outerShdw dist="35921" dir="2700000" algn="ctr" rotWithShape="0">
-                    <a:schemeClr val="bg2"/>
-                  </a:outerShdw>
-                </a:effectLst>
-              </a14:hiddenEffects>
-            </a:ext>
-          </a:extLst>
+                <a:latin typeface="Cooper Hewitt Heavy"/>
+              </a:rPr>
+              <a:t>LearnPQI</a:t>
+            </a:r>
+          </a:p>
+        </p:txBody>
+      </p:sp>
+      <p:sp>
+        <p:nvSpPr>
+          <p:cNvPr name="TextBox 11" id="11"/>
+          <p:cNvSpPr txBox="true"/>
+          <p:nvPr/>
+        </p:nvSpPr>
+        <p:spPr>
+          <a:xfrm rot="0">
+            <a:off x="5505223" y="6685342"/>
+            <a:ext cx="7277554" cy="554715"/>
+          </a:xfrm>
+          <a:prstGeom prst="rect">
+            <a:avLst/>
+          </a:prstGeom>
         </p:spPr>
-      </p:pic>
+        <p:txBody>
+          <a:bodyPr anchor="t" rtlCol="false" tIns="0" lIns="0" bIns="0" rIns="0">
+            <a:spAutoFit/>
+          </a:bodyPr>
+          <a:lstStyle/>
+          <a:p>
+            <a:pPr algn="just">
+              <a:lnSpc>
+                <a:spcPts val="3719"/>
+              </a:lnSpc>
+            </a:pPr>
+            <a:r>
+              <a:rPr lang="en-US" sz="3024">
+                <a:solidFill>
+                  <a:srgbClr val="323232"/>
+                </a:solidFill>
+                <a:latin typeface="Cooper Hewitt"/>
+              </a:rPr>
+              <a:t>Ini adalah materi Konsep Ibadah dalam Islam</a:t>
+            </a:r>
+          </a:p>
+        </p:txBody>
+      </p:sp>
+      <p:sp>
+        <p:nvSpPr>
+          <p:cNvPr name="TextBox 12" id="12"/>
+          <p:cNvSpPr txBox="true"/>
+          <p:nvPr/>
+        </p:nvSpPr>
+        <p:spPr>
+          <a:xfrm rot="0">
+            <a:off x="5861200" y="4508294"/>
+            <a:ext cx="6565600" cy="2086427"/>
+          </a:xfrm>
+          <a:prstGeom prst="rect">
+            <a:avLst/>
+          </a:prstGeom>
+        </p:spPr>
+        <p:txBody>
+          <a:bodyPr anchor="t" rtlCol="false" tIns="0" lIns="0" bIns="0" rIns="0">
+            <a:spAutoFit/>
+          </a:bodyPr>
+          <a:lstStyle/>
+          <a:p>
+            <a:pPr algn="ctr">
+              <a:lnSpc>
+                <a:spcPts val="7784"/>
+              </a:lnSpc>
+            </a:pPr>
+            <a:r>
+              <a:rPr lang="en-US" sz="7784">
+                <a:solidFill>
+                  <a:srgbClr val="323232"/>
+                </a:solidFill>
+                <a:latin typeface="TAN Pearl"/>
+              </a:rPr>
+              <a:t>Praktikum Ibadah</a:t>
+            </a:r>
+          </a:p>
+        </p:txBody>
+      </p:sp>
     </p:spTree>
-    <p:extLst>
-      <p:ext uri="{BB962C8B-B14F-4D97-AF65-F5344CB8AC3E}">
-        <p14:creationId xmlns:p14="http://schemas.microsoft.com/office/powerpoint/2010/main" val="109100692"/>
-      </p:ext>
-    </p:extLst>
   </p:cSld>
   <p:clrMapOvr>
     <a:masterClrMapping/>
@@ -4718,7 +3704,6 @@
         <a:font script="Mong" typeface="Mongolian Baiti"/>
         <a:font script="Viet" typeface="Times New Roman"/>
         <a:font script="Uigh" typeface="Microsoft Uighur"/>
-        <a:font script="Geor" typeface="Sylfaen"/>
       </a:majorFont>
       <a:minorFont>
         <a:latin typeface="Calibri"/>
@@ -4753,7 +3738,6 @@
         <a:font script="Mong" typeface="Mongolian Baiti"/>
         <a:font script="Viet" typeface="Arial"/>
         <a:font script="Uigh" typeface="Microsoft Uighur"/>
-        <a:font script="Geor" typeface="Sylfaen"/>
       </a:minorFont>
     </a:fontScheme>
     <a:fmtScheme name="Office">
@@ -4926,299 +3910,4 @@
   <a:objectDefaults/>
   <a:extraClrSchemeLst/>
 </a:theme>
-</file>
-
-<file path=ppt/theme/theme2.xml><?xml version="1.0" encoding="utf-8"?>
-<a:theme xmlns:a="http://schemas.openxmlformats.org/drawingml/2006/main" name="Office Theme">
-  <a:themeElements>
-    <a:clrScheme name="Office">
-      <a:dk1>
-        <a:sysClr val="windowText" lastClr="000000"/>
-      </a:dk1>
-      <a:lt1>
-        <a:sysClr val="window" lastClr="FFFFFF"/>
-      </a:lt1>
-      <a:dk2>
-        <a:srgbClr val="44546A"/>
-      </a:dk2>
-      <a:lt2>
-        <a:srgbClr val="E7E6E6"/>
-      </a:lt2>
-      <a:accent1>
-        <a:srgbClr val="4472C4"/>
-      </a:accent1>
-      <a:accent2>
-        <a:srgbClr val="ED7D31"/>
-      </a:accent2>
-      <a:accent3>
-        <a:srgbClr val="A5A5A5"/>
-      </a:accent3>
-      <a:accent4>
-        <a:srgbClr val="FFC000"/>
-      </a:accent4>
-      <a:accent5>
-        <a:srgbClr val="5B9BD5"/>
-      </a:accent5>
-      <a:accent6>
-        <a:srgbClr val="70AD47"/>
-      </a:accent6>
-      <a:hlink>
-        <a:srgbClr val="0563C1"/>
-      </a:hlink>
-      <a:folHlink>
-        <a:srgbClr val="954F72"/>
-      </a:folHlink>
-    </a:clrScheme>
-    <a:fontScheme name="Office">
-      <a:majorFont>
-        <a:latin typeface="Calibri Light"/>
-        <a:ea typeface=""/>
-        <a:cs typeface=""/>
-        <a:font script="Jpan" typeface="游ゴシック Light"/>
-        <a:font script="Hang" typeface="맑은 고딕"/>
-        <a:font script="Hans" typeface="等线 Light"/>
-        <a:font script="Hant" typeface="新細明體"/>
-        <a:font script="Arab" typeface="Times New Roman"/>
-        <a:font script="Hebr" typeface="Times New Roman"/>
-        <a:font script="Thai" typeface="Angsana New"/>
-        <a:font script="Ethi" typeface="Nyala"/>
-        <a:font script="Beng" typeface="Vrinda"/>
-        <a:font script="Gujr" typeface="Shruti"/>
-        <a:font script="Khmr" typeface="MoolBoran"/>
-        <a:font script="Knda" typeface="Tunga"/>
-        <a:font script="Guru" typeface="Raavi"/>
-        <a:font script="Cans" typeface="Euphemia"/>
-        <a:font script="Cher" typeface="Plantagenet Cherokee"/>
-        <a:font script="Yiii" typeface="Microsoft Yi Baiti"/>
-        <a:font script="Tibt" typeface="Microsoft Himalaya"/>
-        <a:font script="Thaa" typeface="MV Boli"/>
-        <a:font script="Deva" typeface="Mangal"/>
-        <a:font script="Telu" typeface="Gautami"/>
-        <a:font script="Taml" typeface="Latha"/>
-        <a:font script="Syrc" typeface="Estrangelo Edessa"/>
-        <a:font script="Orya" typeface="Kalinga"/>
-        <a:font script="Mlym" typeface="Kartika"/>
-        <a:font script="Laoo" typeface="DokChampa"/>
-        <a:font script="Sinh" typeface="Iskoola Pota"/>
-        <a:font script="Mong" typeface="Mongolian Baiti"/>
-        <a:font script="Viet" typeface="Times New Roman"/>
-        <a:font script="Uigh" typeface="Microsoft Uighur"/>
-        <a:font script="Geor" typeface="Sylfaen"/>
-        <a:font script="Armn" typeface="Arial"/>
-        <a:font script="Bugi" typeface="Leelawadee UI"/>
-        <a:font script="Bopo" typeface="Microsoft JhengHei"/>
-        <a:font script="Java" typeface="Javanese Text"/>
-        <a:font script="Lisu" typeface="Segoe UI"/>
-        <a:font script="Mymr" typeface="Myanmar Text"/>
-        <a:font script="Nkoo" typeface="Ebrima"/>
-        <a:font script="Olck" typeface="Nirmala UI"/>
-        <a:font script="Osma" typeface="Ebrima"/>
-        <a:font script="Phag" typeface="Phagspa"/>
-        <a:font script="Syrn" typeface="Estrangelo Edessa"/>
-        <a:font script="Syrj" typeface="Estrangelo Edessa"/>
-        <a:font script="Syre" typeface="Estrangelo Edessa"/>
-        <a:font script="Sora" typeface="Nirmala UI"/>
-        <a:font script="Tale" typeface="Microsoft Tai Le"/>
-        <a:font script="Talu" typeface="Microsoft New Tai Lue"/>
-        <a:font script="Tfng" typeface="Ebrima"/>
-      </a:majorFont>
-      <a:minorFont>
-        <a:latin typeface="Calibri"/>
-        <a:ea typeface=""/>
-        <a:cs typeface=""/>
-        <a:font script="Jpan" typeface="游ゴシック"/>
-        <a:font script="Hang" typeface="맑은 고딕"/>
-        <a:font script="Hans" typeface="等线"/>
-        <a:font script="Hant" typeface="新細明體"/>
-        <a:font script="Arab" typeface="Arial"/>
-        <a:font script="Hebr" typeface="Arial"/>
-        <a:font script="Thai" typeface="Cordia New"/>
-        <a:font script="Ethi" typeface="Nyala"/>
-        <a:font script="Beng" typeface="Vrinda"/>
-        <a:font script="Gujr" typeface="Shruti"/>
-        <a:font script="Khmr" typeface="DaunPenh"/>
-        <a:font script="Knda" typeface="Tunga"/>
-        <a:font script="Guru" typeface="Raavi"/>
-        <a:font script="Cans" typeface="Euphemia"/>
-        <a:font script="Cher" typeface="Plantagenet Cherokee"/>
-        <a:font script="Yiii" typeface="Microsoft Yi Baiti"/>
-        <a:font script="Tibt" typeface="Microsoft Himalaya"/>
-        <a:font script="Thaa" typeface="MV Boli"/>
-        <a:font script="Deva" typeface="Mangal"/>
-        <a:font script="Telu" typeface="Gautami"/>
-        <a:font script="Taml" typeface="Latha"/>
-        <a:font script="Syrc" typeface="Estrangelo Edessa"/>
-        <a:font script="Orya" typeface="Kalinga"/>
-        <a:font script="Mlym" typeface="Kartika"/>
-        <a:font script="Laoo" typeface="DokChampa"/>
-        <a:font script="Sinh" typeface="Iskoola Pota"/>
-        <a:font script="Mong" typeface="Mongolian Baiti"/>
-        <a:font script="Viet" typeface="Arial"/>
-        <a:font script="Uigh" typeface="Microsoft Uighur"/>
-        <a:font script="Geor" typeface="Sylfaen"/>
-        <a:font script="Armn" typeface="Arial"/>
-        <a:font script="Bugi" typeface="Leelawadee UI"/>
-        <a:font script="Bopo" typeface="Microsoft JhengHei"/>
-        <a:font script="Java" typeface="Javanese Text"/>
-        <a:font script="Lisu" typeface="Segoe UI"/>
-        <a:font script="Mymr" typeface="Myanmar Text"/>
-        <a:font script="Nkoo" typeface="Ebrima"/>
-        <a:font script="Olck" typeface="Nirmala UI"/>
-        <a:font script="Osma" typeface="Ebrima"/>
-        <a:font script="Phag" typeface="Phagspa"/>
-        <a:font script="Syrn" typeface="Estrangelo Edessa"/>
-        <a:font script="Syrj" typeface="Estrangelo Edessa"/>
-        <a:font script="Syre" typeface="Estrangelo Edessa"/>
-        <a:font script="Sora" typeface="Nirmala UI"/>
-        <a:font script="Tale" typeface="Microsoft Tai Le"/>
-        <a:font script="Talu" typeface="Microsoft New Tai Lue"/>
-        <a:font script="Tfng" typeface="Ebrima"/>
-      </a:minorFont>
-    </a:fontScheme>
-    <a:fmtScheme name="Office">
-      <a:fillStyleLst>
-        <a:solidFill>
-          <a:schemeClr val="phClr"/>
-        </a:solidFill>
-        <a:gradFill rotWithShape="1">
-          <a:gsLst>
-            <a:gs pos="0">
-              <a:schemeClr val="phClr">
-                <a:lumMod val="110000"/>
-                <a:satMod val="105000"/>
-                <a:tint val="67000"/>
-              </a:schemeClr>
-            </a:gs>
-            <a:gs pos="50000">
-              <a:schemeClr val="phClr">
-                <a:lumMod val="105000"/>
-                <a:satMod val="103000"/>
-                <a:tint val="73000"/>
-              </a:schemeClr>
-            </a:gs>
-            <a:gs pos="100000">
-              <a:schemeClr val="phClr">
-                <a:lumMod val="105000"/>
-                <a:satMod val="109000"/>
-                <a:tint val="81000"/>
-              </a:schemeClr>
-            </a:gs>
-          </a:gsLst>
-          <a:lin ang="5400000" scaled="0"/>
-        </a:gradFill>
-        <a:gradFill rotWithShape="1">
-          <a:gsLst>
-            <a:gs pos="0">
-              <a:schemeClr val="phClr">
-                <a:satMod val="103000"/>
-                <a:lumMod val="102000"/>
-                <a:tint val="94000"/>
-              </a:schemeClr>
-            </a:gs>
-            <a:gs pos="50000">
-              <a:schemeClr val="phClr">
-                <a:satMod val="110000"/>
-                <a:lumMod val="100000"/>
-                <a:shade val="100000"/>
-              </a:schemeClr>
-            </a:gs>
-            <a:gs pos="100000">
-              <a:schemeClr val="phClr">
-                <a:lumMod val="99000"/>
-                <a:satMod val="120000"/>
-                <a:shade val="78000"/>
-              </a:schemeClr>
-            </a:gs>
-          </a:gsLst>
-          <a:lin ang="5400000" scaled="0"/>
-        </a:gradFill>
-      </a:fillStyleLst>
-      <a:lnStyleLst>
-        <a:ln w="6350" cap="flat" cmpd="sng" algn="ctr">
-          <a:solidFill>
-            <a:schemeClr val="phClr"/>
-          </a:solidFill>
-          <a:prstDash val="solid"/>
-          <a:miter lim="800000"/>
-        </a:ln>
-        <a:ln w="12700" cap="flat" cmpd="sng" algn="ctr">
-          <a:solidFill>
-            <a:schemeClr val="phClr"/>
-          </a:solidFill>
-          <a:prstDash val="solid"/>
-          <a:miter lim="800000"/>
-        </a:ln>
-        <a:ln w="19050" cap="flat" cmpd="sng" algn="ctr">
-          <a:solidFill>
-            <a:schemeClr val="phClr"/>
-          </a:solidFill>
-          <a:prstDash val="solid"/>
-          <a:miter lim="800000"/>
-        </a:ln>
-      </a:lnStyleLst>
-      <a:effectStyleLst>
-        <a:effectStyle>
-          <a:effectLst/>
-        </a:effectStyle>
-        <a:effectStyle>
-          <a:effectLst/>
-        </a:effectStyle>
-        <a:effectStyle>
-          <a:effectLst>
-            <a:outerShdw blurRad="57150" dist="19050" dir="5400000" algn="ctr" rotWithShape="0">
-              <a:srgbClr val="000000">
-                <a:alpha val="63000"/>
-              </a:srgbClr>
-            </a:outerShdw>
-          </a:effectLst>
-        </a:effectStyle>
-      </a:effectStyleLst>
-      <a:bgFillStyleLst>
-        <a:solidFill>
-          <a:schemeClr val="phClr"/>
-        </a:solidFill>
-        <a:solidFill>
-          <a:schemeClr val="phClr">
-            <a:tint val="95000"/>
-            <a:satMod val="170000"/>
-          </a:schemeClr>
-        </a:solidFill>
-        <a:gradFill rotWithShape="1">
-          <a:gsLst>
-            <a:gs pos="0">
-              <a:schemeClr val="phClr">
-                <a:tint val="93000"/>
-                <a:satMod val="150000"/>
-                <a:shade val="98000"/>
-                <a:lumMod val="102000"/>
-              </a:schemeClr>
-            </a:gs>
-            <a:gs pos="50000">
-              <a:schemeClr val="phClr">
-                <a:tint val="98000"/>
-                <a:satMod val="130000"/>
-                <a:shade val="90000"/>
-                <a:lumMod val="103000"/>
-              </a:schemeClr>
-            </a:gs>
-            <a:gs pos="100000">
-              <a:schemeClr val="phClr">
-                <a:shade val="63000"/>
-                <a:satMod val="120000"/>
-              </a:schemeClr>
-            </a:gs>
-          </a:gsLst>
-          <a:lin ang="5400000" scaled="0"/>
-        </a:gradFill>
-      </a:bgFillStyleLst>
-    </a:fmtScheme>
-  </a:themeElements>
-  <a:objectDefaults/>
-  <a:extraClrSchemeLst/>
-  <a:extLst>
-    <a:ext uri="{05A4C25C-085E-4340-85A3-A5531E510DB2}">
-      <thm15:themeFamily xmlns="" xmlns:thm15="http://schemas.microsoft.com/office/thememl/2012/main" name="Office Theme" id="{62F939B6-93AF-4DB8-9C6B-D6C7DFDC589F}" vid="{4A3C46E8-61CC-4603-A589-7422A47A8E4A}"/>
-    </a:ext>
-  </a:extLst>
-</a:theme>
 </file>